--- a/docs/diagrams/SetTagCommandSequence.pptx
+++ b/docs/diagrams/SetTagCommandSequence.pptx
@@ -3451,7 +3451,7 @@
         <p:spPr>
           <a:xfrm>
             <a:off x="695263" y="278957"/>
-            <a:ext cx="8847118" cy="4343400"/>
+            <a:ext cx="8220137" cy="4343400"/>
           </a:xfrm>
           <a:prstGeom prst="roundRect">
             <a:avLst>
@@ -4367,7 +4367,7 @@
         </p:nvSpPr>
         <p:spPr>
           <a:xfrm>
-            <a:off x="6629081" y="2464701"/>
+            <a:off x="6477000" y="2895600"/>
             <a:ext cx="1545612" cy="709398"/>
           </a:xfrm>
           <a:prstGeom prst="rect">
@@ -4898,7 +4898,7 @@
         </p:nvCxnSpPr>
         <p:spPr>
           <a:xfrm>
-            <a:off x="5642303" y="2257095"/>
+            <a:off x="5525882" y="2242066"/>
             <a:ext cx="1560718" cy="9080"/>
           </a:xfrm>
           <a:prstGeom prst="straightConnector1">

--- a/docs/diagrams/SetTagCommandSequence.pptx
+++ b/docs/diagrams/SetTagCommandSequence.pptx
@@ -3450,8 +3450,8 @@
         </p:nvSpPr>
         <p:spPr>
           <a:xfrm>
-            <a:off x="695263" y="278957"/>
-            <a:ext cx="8847118" cy="4343400"/>
+            <a:off x="338466" y="390992"/>
+            <a:ext cx="5814274" cy="5119974"/>
           </a:xfrm>
           <a:prstGeom prst="roundRect">
             <a:avLst>
@@ -3552,15 +3552,7 @@
                   <a:schemeClr val="bg1"/>
                 </a:solidFill>
               </a:rPr>
-              <a:t>:</a:t>
-            </a:r>
-            <a:r>
-              <a:rPr lang="en-US" sz="1600" dirty="0" err="1" smtClean="0">
-                <a:solidFill>
-                  <a:schemeClr val="bg1"/>
-                </a:solidFill>
-              </a:rPr>
-              <a:t>SetCommandParser</a:t>
+              <a:t>:SetCommandParser</a:t>
             </a:r>
             <a:endParaRPr lang="en-SG" sz="1600" dirty="0">
               <a:solidFill>
@@ -3617,8 +3609,8 @@
         </p:nvSpPr>
         <p:spPr>
           <a:xfrm>
-            <a:off x="1538951" y="1258311"/>
-            <a:ext cx="152400" cy="2932689"/>
+            <a:off x="1538950" y="1258310"/>
+            <a:ext cx="136895" cy="4252655"/>
           </a:xfrm>
           <a:prstGeom prst="rect">
             <a:avLst/>
@@ -3656,163 +3648,6 @@
           </a:p>
         </p:txBody>
       </p:sp>
-      <p:sp>
-        <p:nvSpPr>
-          <p:cNvPr id="16" name="Rectangle 62"/>
-          <p:cNvSpPr/>
-          <p:nvPr/>
-        </p:nvSpPr>
-        <p:spPr>
-          <a:xfrm>
-            <a:off x="3437188" y="423022"/>
-            <a:ext cx="1363412" cy="467684"/>
-          </a:xfrm>
-          <a:prstGeom prst="rect">
-            <a:avLst/>
-          </a:prstGeom>
-          <a:solidFill>
-            <a:srgbClr val="0070C0"/>
-          </a:solidFill>
-          <a:ln w="19050">
-            <a:solidFill>
-              <a:srgbClr val="0070C0"/>
-            </a:solidFill>
-          </a:ln>
-          <a:effectLst/>
-        </p:spPr>
-        <p:style>
-          <a:lnRef idx="1">
-            <a:schemeClr val="accent2"/>
-          </a:lnRef>
-          <a:fillRef idx="2">
-            <a:schemeClr val="accent2"/>
-          </a:fillRef>
-          <a:effectRef idx="1">
-            <a:schemeClr val="accent2"/>
-          </a:effectRef>
-          <a:fontRef idx="minor">
-            <a:schemeClr val="dk1"/>
-          </a:fontRef>
-        </p:style>
-        <p:txBody>
-          <a:bodyPr rtlCol="0" anchor="ctr"/>
-          <a:lstStyle/>
-          <a:p>
-            <a:pPr algn="ctr"/>
-            <a:r>
-              <a:rPr lang="en-SG" sz="1600" dirty="0" smtClean="0">
-                <a:solidFill>
-                  <a:schemeClr val="bg1"/>
-                </a:solidFill>
-              </a:rPr>
-              <a:t>:</a:t>
-            </a:r>
-            <a:r>
-              <a:rPr lang="en-SG" sz="1600" dirty="0" err="1" smtClean="0">
-                <a:solidFill>
-                  <a:schemeClr val="bg1"/>
-                </a:solidFill>
-              </a:rPr>
-              <a:t>SetCommand</a:t>
-            </a:r>
-            <a:endParaRPr lang="en-SG" sz="1600" dirty="0">
-              <a:solidFill>
-                <a:schemeClr val="bg1"/>
-              </a:solidFill>
-            </a:endParaRPr>
-          </a:p>
-        </p:txBody>
-      </p:sp>
-      <p:cxnSp>
-        <p:nvCxnSpPr>
-          <p:cNvPr id="17" name="Straight Connector 16"/>
-          <p:cNvCxnSpPr>
-            <a:cxnSpLocks/>
-          </p:cNvCxnSpPr>
-          <p:nvPr/>
-        </p:nvCxnSpPr>
-        <p:spPr>
-          <a:xfrm>
-            <a:off x="4050587" y="907617"/>
-            <a:ext cx="0" cy="1482984"/>
-          </a:xfrm>
-          <a:prstGeom prst="line">
-            <a:avLst/>
-          </a:prstGeom>
-          <a:ln w="19050">
-            <a:solidFill>
-              <a:srgbClr val="0070C0"/>
-            </a:solidFill>
-            <a:prstDash val="sysDash"/>
-          </a:ln>
-          <a:effectLst/>
-        </p:spPr>
-        <p:style>
-          <a:lnRef idx="1">
-            <a:schemeClr val="accent1"/>
-          </a:lnRef>
-          <a:fillRef idx="2">
-            <a:schemeClr val="accent1"/>
-          </a:fillRef>
-          <a:effectRef idx="1">
-            <a:schemeClr val="accent1"/>
-          </a:effectRef>
-          <a:fontRef idx="minor">
-            <a:schemeClr val="dk1"/>
-          </a:fontRef>
-        </p:style>
-      </p:cxnSp>
-      <p:sp>
-        <p:nvSpPr>
-          <p:cNvPr id="18" name="Rectangle 17"/>
-          <p:cNvSpPr/>
-          <p:nvPr/>
-        </p:nvSpPr>
-        <p:spPr>
-          <a:xfrm>
-            <a:off x="3962215" y="877143"/>
-            <a:ext cx="154408" cy="1472979"/>
-          </a:xfrm>
-          <a:prstGeom prst="rect">
-            <a:avLst/>
-          </a:prstGeom>
-          <a:solidFill>
-            <a:srgbClr val="0070C0"/>
-          </a:solidFill>
-          <a:ln>
-            <a:solidFill>
-              <a:srgbClr val="0070C0"/>
-            </a:solidFill>
-          </a:ln>
-          <a:effectLst/>
-        </p:spPr>
-        <p:style>
-          <a:lnRef idx="1">
-            <a:schemeClr val="accent3"/>
-          </a:lnRef>
-          <a:fillRef idx="2">
-            <a:schemeClr val="accent3"/>
-          </a:fillRef>
-          <a:effectRef idx="1">
-            <a:schemeClr val="accent3"/>
-          </a:effectRef>
-          <a:fontRef idx="minor">
-            <a:schemeClr val="dk1"/>
-          </a:fontRef>
-        </p:style>
-        <p:txBody>
-          <a:bodyPr rtlCol="0" anchor="ctr"/>
-          <a:lstStyle/>
-          <a:p>
-            <a:pPr algn="ctr"/>
-            <a:endParaRPr lang="en-SG" sz="1400">
-              <a:solidFill>
-                <a:schemeClr val="dk1"/>
-              </a:solidFill>
-            </a:endParaRPr>
-          </a:p>
-        </p:txBody>
-      </p:sp>
       <p:cxnSp>
         <p:nvCxnSpPr>
           <p:cNvPr id="20" name="Straight Connector 19"/>
@@ -3823,8 +3658,8 @@
         </p:nvCxnSpPr>
         <p:spPr>
           <a:xfrm>
-            <a:off x="5602082" y="1613633"/>
-            <a:ext cx="0" cy="2644578"/>
+            <a:off x="4578754" y="2958366"/>
+            <a:ext cx="6501" cy="1412792"/>
           </a:xfrm>
           <a:prstGeom prst="line">
             <a:avLst/>
@@ -3859,9 +3694,9 @@
           <p:nvPr/>
         </p:nvCxnSpPr>
         <p:spPr>
-          <a:xfrm>
-            <a:off x="419100" y="1261999"/>
-            <a:ext cx="1119851" cy="0"/>
+          <a:xfrm flipV="1">
+            <a:off x="185109" y="1423962"/>
+            <a:ext cx="1353842" cy="1639"/>
           </a:xfrm>
           <a:prstGeom prst="straightConnector1">
             <a:avLst/>
@@ -3896,7 +3731,7 @@
         </p:nvSpPr>
         <p:spPr>
           <a:xfrm>
-            <a:off x="38100" y="990600"/>
+            <a:off x="38100" y="1156156"/>
             <a:ext cx="1424846" cy="215444"/>
           </a:xfrm>
           <a:prstGeom prst="rect">
@@ -3943,8 +3778,8 @@
         </p:nvCxnSpPr>
         <p:spPr>
           <a:xfrm flipV="1">
-            <a:off x="4135972" y="1512340"/>
-            <a:ext cx="922392" cy="1"/>
+            <a:off x="3048000" y="3787547"/>
+            <a:ext cx="1416234" cy="11387"/>
           </a:xfrm>
           <a:prstGeom prst="straightConnector1">
             <a:avLst/>
@@ -3971,129 +3806,6 @@
           </a:fontRef>
         </p:style>
       </p:cxnSp>
-      <p:sp>
-        <p:nvSpPr>
-          <p:cNvPr id="29" name="TextBox 28"/>
-          <p:cNvSpPr txBox="1"/>
-          <p:nvPr/>
-        </p:nvSpPr>
-        <p:spPr>
-          <a:xfrm>
-            <a:off x="2083865" y="2819400"/>
-            <a:ext cx="855809" cy="215444"/>
-          </a:xfrm>
-          <a:prstGeom prst="rect">
-            <a:avLst/>
-          </a:prstGeom>
-          <a:noFill/>
-        </p:spPr>
-        <p:txBody>
-          <a:bodyPr wrap="square" lIns="0" tIns="0" rIns="0" bIns="0" rtlCol="0">
-            <a:spAutoFit/>
-          </a:bodyPr>
-          <a:lstStyle>
-            <a:defPPr>
-              <a:defRPr lang="en-US"/>
-            </a:defPPr>
-            <a:lvl1pPr algn="r">
-              <a:defRPr sz="1400">
-                <a:solidFill>
-                  <a:srgbClr val="0070C0"/>
-                </a:solidFill>
-              </a:defRPr>
-            </a:lvl1pPr>
-          </a:lstStyle>
-          <a:p>
-            <a:r>
-              <a:rPr lang="en-US" dirty="0" err="1" smtClean="0"/>
-              <a:t>parseTag</a:t>
-            </a:r>
-            <a:r>
-              <a:rPr lang="en-US" dirty="0" smtClean="0"/>
-              <a:t>()</a:t>
-            </a:r>
-            <a:endParaRPr lang="en-US" dirty="0"/>
-          </a:p>
-        </p:txBody>
-      </p:sp>
-      <p:cxnSp>
-        <p:nvCxnSpPr>
-          <p:cNvPr id="34" name="Straight Arrow Connector 33"/>
-          <p:cNvCxnSpPr/>
-          <p:nvPr/>
-        </p:nvCxnSpPr>
-        <p:spPr>
-          <a:xfrm>
-            <a:off x="4109108" y="1878232"/>
-            <a:ext cx="1492974" cy="11404"/>
-          </a:xfrm>
-          <a:prstGeom prst="straightConnector1">
-            <a:avLst/>
-          </a:prstGeom>
-          <a:ln w="19050">
-            <a:solidFill>
-              <a:srgbClr val="0070C0"/>
-            </a:solidFill>
-            <a:prstDash val="sysDash"/>
-            <a:headEnd type="arrow" w="med" len="med"/>
-            <a:tailEnd type="none" w="med" len="med"/>
-          </a:ln>
-        </p:spPr>
-        <p:style>
-          <a:lnRef idx="1">
-            <a:schemeClr val="accent1"/>
-          </a:lnRef>
-          <a:fillRef idx="0">
-            <a:schemeClr val="accent1"/>
-          </a:fillRef>
-          <a:effectRef idx="0">
-            <a:schemeClr val="accent1"/>
-          </a:effectRef>
-          <a:fontRef idx="minor">
-            <a:schemeClr val="tx1"/>
-          </a:fontRef>
-        </p:style>
-      </p:cxnSp>
-      <p:cxnSp>
-        <p:nvCxnSpPr>
-          <p:cNvPr id="35" name="Straight Arrow Connector 34"/>
-          <p:cNvCxnSpPr>
-            <a:cxnSpLocks/>
-          </p:cNvCxnSpPr>
-          <p:nvPr/>
-        </p:nvCxnSpPr>
-        <p:spPr>
-          <a:xfrm>
-            <a:off x="1691351" y="2133600"/>
-            <a:ext cx="2348067" cy="0"/>
-          </a:xfrm>
-          <a:prstGeom prst="straightConnector1">
-            <a:avLst/>
-          </a:prstGeom>
-          <a:ln w="19050">
-            <a:solidFill>
-              <a:srgbClr val="0070C0"/>
-            </a:solidFill>
-            <a:prstDash val="sysDash"/>
-            <a:headEnd type="arrow" w="med" len="med"/>
-            <a:tailEnd type="none" w="med" len="med"/>
-          </a:ln>
-        </p:spPr>
-        <p:style>
-          <a:lnRef idx="1">
-            <a:schemeClr val="accent1"/>
-          </a:lnRef>
-          <a:fillRef idx="0">
-            <a:schemeClr val="accent1"/>
-          </a:fillRef>
-          <a:effectRef idx="0">
-            <a:schemeClr val="accent1"/>
-          </a:effectRef>
-          <a:fontRef idx="minor">
-            <a:schemeClr val="tx1"/>
-          </a:fontRef>
-        </p:style>
-      </p:cxnSp>
       <p:cxnSp>
         <p:nvCxnSpPr>
           <p:cNvPr id="37" name="Straight Arrow Connector 36"/>
@@ -4102,8 +3814,8 @@
         </p:nvCxnSpPr>
         <p:spPr>
           <a:xfrm>
-            <a:off x="380999" y="4191000"/>
-            <a:ext cx="1196051" cy="0"/>
+            <a:off x="337525" y="4191000"/>
+            <a:ext cx="1239525" cy="0"/>
           </a:xfrm>
           <a:prstGeom prst="straightConnector1">
             <a:avLst/>
@@ -4134,61 +3846,14 @@
       </p:cxnSp>
       <p:sp>
         <p:nvSpPr>
-          <p:cNvPr id="65" name="Rectangle 64"/>
-          <p:cNvSpPr/>
+          <p:cNvPr id="83" name="TextBox 82"/>
+          <p:cNvSpPr txBox="1"/>
           <p:nvPr/>
         </p:nvSpPr>
         <p:spPr>
           <a:xfrm>
-            <a:off x="5497145" y="1512340"/>
-            <a:ext cx="161322" cy="1307285"/>
-          </a:xfrm>
-          <a:prstGeom prst="rect">
-            <a:avLst/>
-          </a:prstGeom>
-          <a:solidFill>
-            <a:srgbClr val="0070C0"/>
-          </a:solidFill>
-          <a:ln>
-            <a:solidFill>
-              <a:srgbClr val="0070C0"/>
-            </a:solidFill>
-          </a:ln>
-          <a:effectLst/>
-        </p:spPr>
-        <p:style>
-          <a:lnRef idx="1">
-            <a:schemeClr val="accent3"/>
-          </a:lnRef>
-          <a:fillRef idx="2">
-            <a:schemeClr val="accent3"/>
-          </a:fillRef>
-          <a:effectRef idx="1">
-            <a:schemeClr val="accent3"/>
-          </a:effectRef>
-          <a:fontRef idx="minor">
-            <a:schemeClr val="dk1"/>
-          </a:fontRef>
-        </p:style>
-        <p:txBody>
-          <a:bodyPr rtlCol="0" anchor="ctr"/>
-          <a:lstStyle/>
-          <a:p>
-            <a:pPr algn="ctr"/>
-            <a:endParaRPr lang="en-SG" sz="1400"/>
-          </a:p>
-        </p:txBody>
-      </p:sp>
-      <p:sp>
-        <p:nvSpPr>
-          <p:cNvPr id="79" name="TextBox 78"/>
-          <p:cNvSpPr txBox="1"/>
-          <p:nvPr/>
-        </p:nvSpPr>
-        <p:spPr>
-          <a:xfrm>
-            <a:off x="5852954" y="1758504"/>
-            <a:ext cx="952394" cy="184666"/>
+            <a:off x="337525" y="3945901"/>
+            <a:ext cx="1153158" cy="215444"/>
           </a:xfrm>
           <a:prstGeom prst="rect">
             <a:avLst/>
@@ -4213,473 +3878,13 @@
           </a:lstStyle>
           <a:p>
             <a:r>
-              <a:rPr lang="en-US" sz="1200" dirty="0" err="1" smtClean="0"/>
-              <a:t>setTagcolour</a:t>
-            </a:r>
-            <a:r>
-              <a:rPr lang="en-US" sz="1200" dirty="0" smtClean="0"/>
-              <a:t>()</a:t>
-            </a:r>
-            <a:endParaRPr lang="en-US" sz="1200" dirty="0"/>
-          </a:p>
-        </p:txBody>
-      </p:sp>
-      <p:sp>
-        <p:nvSpPr>
-          <p:cNvPr id="80" name="TextBox 79"/>
-          <p:cNvSpPr txBox="1"/>
-          <p:nvPr/>
-        </p:nvSpPr>
-        <p:spPr>
-          <a:xfrm>
-            <a:off x="1885189" y="1106150"/>
-            <a:ext cx="1899551" cy="215444"/>
-          </a:xfrm>
-          <a:prstGeom prst="rect">
-            <a:avLst/>
-          </a:prstGeom>
-          <a:noFill/>
-        </p:spPr>
-        <p:txBody>
-          <a:bodyPr wrap="square" lIns="0" tIns="0" rIns="0" bIns="0" rtlCol="0">
-            <a:spAutoFit/>
-          </a:bodyPr>
-          <a:lstStyle>
-            <a:defPPr>
-              <a:defRPr lang="en-US"/>
-            </a:defPPr>
-            <a:lvl1pPr algn="r">
-              <a:defRPr sz="1400">
-                <a:solidFill>
-                  <a:srgbClr val="0070C0"/>
-                </a:solidFill>
-              </a:defRPr>
-            </a:lvl1pPr>
-          </a:lstStyle>
-          <a:p>
-            <a:r>
-              <a:rPr lang="en-US" dirty="0"/>
-              <a:t>p</a:t>
-            </a:r>
-            <a:r>
               <a:rPr lang="en-US" dirty="0" smtClean="0"/>
-              <a:t>arse()</a:t>
+              <a:t>SetCommand</a:t>
             </a:r>
             <a:endParaRPr lang="en-US" dirty="0"/>
           </a:p>
         </p:txBody>
       </p:sp>
-      <p:sp>
-        <p:nvSpPr>
-          <p:cNvPr id="82" name="TextBox 81"/>
-          <p:cNvSpPr txBox="1"/>
-          <p:nvPr/>
-        </p:nvSpPr>
-        <p:spPr>
-          <a:xfrm>
-            <a:off x="2133599" y="3810000"/>
-            <a:ext cx="1228889" cy="215444"/>
-          </a:xfrm>
-          <a:prstGeom prst="rect">
-            <a:avLst/>
-          </a:prstGeom>
-          <a:noFill/>
-        </p:spPr>
-        <p:txBody>
-          <a:bodyPr wrap="square" lIns="0" tIns="0" rIns="0" bIns="0" rtlCol="0">
-            <a:spAutoFit/>
-          </a:bodyPr>
-          <a:lstStyle>
-            <a:defPPr>
-              <a:defRPr lang="en-US"/>
-            </a:defPPr>
-            <a:lvl1pPr algn="r">
-              <a:defRPr sz="1400">
-                <a:solidFill>
-                  <a:srgbClr val="0070C0"/>
-                </a:solidFill>
-              </a:defRPr>
-            </a:lvl1pPr>
-          </a:lstStyle>
-          <a:p>
-            <a:r>
-              <a:rPr lang="en-US" dirty="0" smtClean="0"/>
-              <a:t>String </a:t>
-            </a:r>
-            <a:r>
-              <a:rPr lang="en-US" dirty="0" err="1" smtClean="0"/>
-              <a:t>t</a:t>
-            </a:r>
-            <a:r>
-              <a:rPr lang="en-US" dirty="0" err="1" smtClean="0"/>
-              <a:t>agColour</a:t>
-            </a:r>
-            <a:endParaRPr lang="en-US" dirty="0"/>
-          </a:p>
-        </p:txBody>
-      </p:sp>
-      <p:sp>
-        <p:nvSpPr>
-          <p:cNvPr id="83" name="TextBox 82"/>
-          <p:cNvSpPr txBox="1"/>
-          <p:nvPr/>
-        </p:nvSpPr>
-        <p:spPr>
-          <a:xfrm>
-            <a:off x="337525" y="3945901"/>
-            <a:ext cx="1069745" cy="215444"/>
-          </a:xfrm>
-          <a:prstGeom prst="rect">
-            <a:avLst/>
-          </a:prstGeom>
-          <a:noFill/>
-        </p:spPr>
-        <p:txBody>
-          <a:bodyPr wrap="square" lIns="0" tIns="0" rIns="0" bIns="0" rtlCol="0">
-            <a:spAutoFit/>
-          </a:bodyPr>
-          <a:lstStyle>
-            <a:defPPr>
-              <a:defRPr lang="en-US"/>
-            </a:defPPr>
-            <a:lvl1pPr algn="r">
-              <a:defRPr sz="1400">
-                <a:solidFill>
-                  <a:srgbClr val="0070C0"/>
-                </a:solidFill>
-              </a:defRPr>
-            </a:lvl1pPr>
-          </a:lstStyle>
-          <a:p>
-            <a:r>
-              <a:rPr lang="en-US" dirty="0" err="1" smtClean="0"/>
-              <a:t>SetCommand</a:t>
-            </a:r>
-            <a:endParaRPr lang="en-US" dirty="0"/>
-          </a:p>
-        </p:txBody>
-      </p:sp>
-      <p:sp>
-        <p:nvSpPr>
-          <p:cNvPr id="84" name="Rectangle 62"/>
-          <p:cNvSpPr/>
-          <p:nvPr/>
-        </p:nvSpPr>
-        <p:spPr>
-          <a:xfrm>
-            <a:off x="6629081" y="2464701"/>
-            <a:ext cx="1545612" cy="709398"/>
-          </a:xfrm>
-          <a:prstGeom prst="rect">
-            <a:avLst/>
-          </a:prstGeom>
-          <a:solidFill>
-            <a:srgbClr val="0070C0"/>
-          </a:solidFill>
-          <a:ln w="19050">
-            <a:solidFill>
-              <a:srgbClr val="0070C0"/>
-            </a:solidFill>
-          </a:ln>
-          <a:effectLst/>
-        </p:spPr>
-        <p:style>
-          <a:lnRef idx="1">
-            <a:schemeClr val="accent2"/>
-          </a:lnRef>
-          <a:fillRef idx="2">
-            <a:schemeClr val="accent2"/>
-          </a:fillRef>
-          <a:effectRef idx="1">
-            <a:schemeClr val="accent2"/>
-          </a:effectRef>
-          <a:fontRef idx="minor">
-            <a:schemeClr val="dk1"/>
-          </a:fontRef>
-        </p:style>
-        <p:txBody>
-          <a:bodyPr rtlCol="0" anchor="ctr"/>
-          <a:lstStyle/>
-          <a:p>
-            <a:pPr algn="ctr"/>
-            <a:r>
-              <a:rPr lang="en-US" sz="1600" dirty="0" smtClean="0">
-                <a:solidFill>
-                  <a:schemeClr val="bg1"/>
-                </a:solidFill>
-              </a:rPr>
-              <a:t>:</a:t>
-            </a:r>
-            <a:r>
-              <a:rPr lang="en-US" sz="1600" dirty="0" err="1" smtClean="0">
-                <a:solidFill>
-                  <a:schemeClr val="bg1"/>
-                </a:solidFill>
-              </a:rPr>
-              <a:t>ModelManager</a:t>
-            </a:r>
-            <a:r>
-              <a:rPr lang="en-US" sz="1600" dirty="0" smtClean="0">
-                <a:solidFill>
-                  <a:schemeClr val="bg1"/>
-                </a:solidFill>
-              </a:rPr>
-              <a:t> (implements Model)</a:t>
-            </a:r>
-            <a:endParaRPr lang="en-SG" sz="1600" dirty="0">
-              <a:solidFill>
-                <a:schemeClr val="bg1"/>
-              </a:solidFill>
-            </a:endParaRPr>
-          </a:p>
-        </p:txBody>
-      </p:sp>
-      <p:sp>
-        <p:nvSpPr>
-          <p:cNvPr id="93" name="TextBox 92"/>
-          <p:cNvSpPr txBox="1"/>
-          <p:nvPr/>
-        </p:nvSpPr>
-        <p:spPr>
-          <a:xfrm>
-            <a:off x="2095721" y="1626289"/>
-            <a:ext cx="1762621" cy="430887"/>
-          </a:xfrm>
-          <a:prstGeom prst="rect">
-            <a:avLst/>
-          </a:prstGeom>
-          <a:noFill/>
-        </p:spPr>
-        <p:txBody>
-          <a:bodyPr wrap="square" lIns="0" tIns="0" rIns="0" bIns="0" rtlCol="0">
-            <a:spAutoFit/>
-          </a:bodyPr>
-          <a:lstStyle>
-            <a:defPPr>
-              <a:defRPr lang="en-US"/>
-            </a:defPPr>
-            <a:lvl1pPr algn="r">
-              <a:defRPr sz="1400">
-                <a:solidFill>
-                  <a:srgbClr val="0070C0"/>
-                </a:solidFill>
-              </a:defRPr>
-            </a:lvl1pPr>
-          </a:lstStyle>
-          <a:p>
-            <a:pPr algn="l"/>
-            <a:r>
-              <a:rPr lang="en-US" dirty="0" err="1" smtClean="0"/>
-              <a:t>SetCommad</a:t>
-            </a:r>
-            <a:r>
-              <a:rPr lang="en-US" dirty="0" smtClean="0"/>
-              <a:t>(Tag </a:t>
-            </a:r>
-            <a:r>
-              <a:rPr lang="en-US" dirty="0" smtClean="0"/>
-              <a:t>t</a:t>
-            </a:r>
-            <a:r>
-              <a:rPr lang="en-US" dirty="0" smtClean="0"/>
-              <a:t>ag, String </a:t>
-            </a:r>
-            <a:r>
-              <a:rPr lang="en-US" dirty="0" err="1" smtClean="0"/>
-              <a:t>tagColour</a:t>
-            </a:r>
-            <a:r>
-              <a:rPr lang="en-US" dirty="0" smtClean="0"/>
-              <a:t>)</a:t>
-            </a:r>
-            <a:endParaRPr lang="en-US" dirty="0"/>
-          </a:p>
-        </p:txBody>
-      </p:sp>
-      <p:sp>
-        <p:nvSpPr>
-          <p:cNvPr id="40" name="Rectangle 62"/>
-          <p:cNvSpPr/>
-          <p:nvPr/>
-        </p:nvSpPr>
-        <p:spPr>
-          <a:xfrm>
-            <a:off x="6704308" y="1264908"/>
-            <a:ext cx="1050935" cy="432035"/>
-          </a:xfrm>
-          <a:prstGeom prst="rect">
-            <a:avLst/>
-          </a:prstGeom>
-          <a:solidFill>
-            <a:srgbClr val="0070C0"/>
-          </a:solidFill>
-          <a:ln w="19050">
-            <a:solidFill>
-              <a:srgbClr val="0070C0"/>
-            </a:solidFill>
-          </a:ln>
-          <a:effectLst/>
-        </p:spPr>
-        <p:style>
-          <a:lnRef idx="1">
-            <a:schemeClr val="accent2"/>
-          </a:lnRef>
-          <a:fillRef idx="2">
-            <a:schemeClr val="accent2"/>
-          </a:fillRef>
-          <a:effectRef idx="1">
-            <a:schemeClr val="accent2"/>
-          </a:effectRef>
-          <a:fontRef idx="minor">
-            <a:schemeClr val="dk1"/>
-          </a:fontRef>
-        </p:style>
-        <p:txBody>
-          <a:bodyPr rtlCol="0" anchor="ctr"/>
-          <a:lstStyle/>
-          <a:p>
-            <a:pPr algn="ctr"/>
-            <a:r>
-              <a:rPr lang="en-US" sz="1600" dirty="0" smtClean="0">
-                <a:solidFill>
-                  <a:schemeClr val="bg1"/>
-                </a:solidFill>
-              </a:rPr>
-              <a:t>:Model</a:t>
-            </a:r>
-            <a:endParaRPr lang="en-SG" sz="1600" dirty="0">
-              <a:solidFill>
-                <a:schemeClr val="bg1"/>
-              </a:solidFill>
-            </a:endParaRPr>
-          </a:p>
-        </p:txBody>
-      </p:sp>
-      <p:cxnSp>
-        <p:nvCxnSpPr>
-          <p:cNvPr id="46" name="Straight Connector 45"/>
-          <p:cNvCxnSpPr>
-            <a:cxnSpLocks/>
-          </p:cNvCxnSpPr>
-          <p:nvPr/>
-        </p:nvCxnSpPr>
-        <p:spPr>
-          <a:xfrm>
-            <a:off x="7192579" y="1714499"/>
-            <a:ext cx="0" cy="838201"/>
-          </a:xfrm>
-          <a:prstGeom prst="line">
-            <a:avLst/>
-          </a:prstGeom>
-          <a:ln w="19050">
-            <a:solidFill>
-              <a:srgbClr val="0070C0"/>
-            </a:solidFill>
-            <a:prstDash val="sysDash"/>
-          </a:ln>
-          <a:effectLst/>
-        </p:spPr>
-        <p:style>
-          <a:lnRef idx="1">
-            <a:schemeClr val="accent1"/>
-          </a:lnRef>
-          <a:fillRef idx="2">
-            <a:schemeClr val="accent1"/>
-          </a:fillRef>
-          <a:effectRef idx="1">
-            <a:schemeClr val="accent1"/>
-          </a:effectRef>
-          <a:fontRef idx="minor">
-            <a:schemeClr val="dk1"/>
-          </a:fontRef>
-        </p:style>
-      </p:cxnSp>
-      <p:sp>
-        <p:nvSpPr>
-          <p:cNvPr id="49" name="Rectangle 48"/>
-          <p:cNvSpPr/>
-          <p:nvPr/>
-        </p:nvSpPr>
-        <p:spPr>
-          <a:xfrm>
-            <a:off x="7086600" y="1696943"/>
-            <a:ext cx="181672" cy="634455"/>
-          </a:xfrm>
-          <a:prstGeom prst="rect">
-            <a:avLst/>
-          </a:prstGeom>
-          <a:solidFill>
-            <a:srgbClr val="0070C0"/>
-          </a:solidFill>
-          <a:ln>
-            <a:solidFill>
-              <a:srgbClr val="0070C0"/>
-            </a:solidFill>
-          </a:ln>
-          <a:effectLst/>
-        </p:spPr>
-        <p:style>
-          <a:lnRef idx="1">
-            <a:schemeClr val="accent3"/>
-          </a:lnRef>
-          <a:fillRef idx="2">
-            <a:schemeClr val="accent3"/>
-          </a:fillRef>
-          <a:effectRef idx="1">
-            <a:schemeClr val="accent3"/>
-          </a:effectRef>
-          <a:fontRef idx="minor">
-            <a:schemeClr val="dk1"/>
-          </a:fontRef>
-        </p:style>
-        <p:txBody>
-          <a:bodyPr rtlCol="0" anchor="ctr"/>
-          <a:lstStyle/>
-          <a:p>
-            <a:pPr algn="ctr"/>
-            <a:endParaRPr lang="en-SG" sz="1400"/>
-          </a:p>
-        </p:txBody>
-      </p:sp>
-      <p:cxnSp>
-        <p:nvCxnSpPr>
-          <p:cNvPr id="50" name="Straight Arrow Connector 49"/>
-          <p:cNvCxnSpPr>
-            <a:cxnSpLocks/>
-            <a:endCxn id="49" idx="1"/>
-          </p:cNvCxnSpPr>
-          <p:nvPr/>
-        </p:nvCxnSpPr>
-        <p:spPr>
-          <a:xfrm>
-            <a:off x="5628533" y="2009606"/>
-            <a:ext cx="1458067" cy="4565"/>
-          </a:xfrm>
-          <a:prstGeom prst="straightConnector1">
-            <a:avLst/>
-          </a:prstGeom>
-          <a:ln w="19050">
-            <a:solidFill>
-              <a:srgbClr val="0070C0"/>
-            </a:solidFill>
-            <a:tailEnd type="arrow"/>
-          </a:ln>
-        </p:spPr>
-        <p:style>
-          <a:lnRef idx="1">
-            <a:schemeClr val="accent1"/>
-          </a:lnRef>
-          <a:fillRef idx="0">
-            <a:schemeClr val="accent1"/>
-          </a:fillRef>
-          <a:effectRef idx="0">
-            <a:schemeClr val="accent1"/>
-          </a:effectRef>
-          <a:fontRef idx="minor">
-            <a:schemeClr val="tx1"/>
-          </a:fontRef>
-        </p:style>
-      </p:cxnSp>
       <p:sp>
         <p:nvSpPr>
           <p:cNvPr id="19" name="Rectangle 62"/>
@@ -4688,7 +3893,7 @@
         </p:nvSpPr>
         <p:spPr>
           <a:xfrm>
-            <a:off x="5035976" y="1260268"/>
+            <a:off x="4022386" y="2549285"/>
             <a:ext cx="1108000" cy="461538"/>
           </a:xfrm>
           <a:prstGeom prst="rect">
@@ -4729,15 +3934,7 @@
                   <a:schemeClr val="bg1"/>
                 </a:solidFill>
               </a:rPr>
-              <a:t>:</a:t>
-            </a:r>
-            <a:r>
-              <a:rPr lang="en-US" sz="1600" dirty="0" err="1" smtClean="0">
-                <a:solidFill>
-                  <a:schemeClr val="bg1"/>
-                </a:solidFill>
-              </a:rPr>
-              <a:t>CommandResult</a:t>
+              <a:t>:CommandResult</a:t>
             </a:r>
             <a:endParaRPr lang="en-SG" sz="1600" dirty="0">
               <a:solidFill>
@@ -4747,202 +3944,484 @@
           </a:p>
         </p:txBody>
       </p:sp>
-      <p:cxnSp>
-        <p:nvCxnSpPr>
-          <p:cNvPr id="66" name="Straight Arrow Connector 65">
-            <a:extLst>
-              <a:ext uri="{FF2B5EF4-FFF2-40B4-BE49-F238E27FC236}">
-                <a16:creationId xmlns:a16="http://schemas.microsoft.com/office/drawing/2014/main" xmlns="" id="{39916E2E-195A-4DC8-B025-B05FA87E6796}"/>
-              </a:ext>
-            </a:extLst>
-          </p:cNvPr>
-          <p:cNvCxnSpPr>
-            <a:cxnSpLocks/>
-          </p:cNvCxnSpPr>
+      <p:grpSp>
+        <p:nvGrpSpPr>
+          <p:cNvPr id="146" name="Group 145"/>
+          <p:cNvGrpSpPr/>
           <p:nvPr/>
-        </p:nvCxnSpPr>
-        <p:spPr>
-          <a:xfrm flipV="1">
-            <a:off x="1713776" y="3108341"/>
-            <a:ext cx="2647172" cy="14334"/>
+        </p:nvGrpSpPr>
+        <p:grpSpPr>
+          <a:xfrm>
+            <a:off x="1603821" y="1056918"/>
+            <a:ext cx="2129979" cy="1492367"/>
+            <a:chOff x="1615151" y="2642794"/>
+            <a:chExt cx="2129979" cy="1492367"/>
           </a:xfrm>
-          <a:prstGeom prst="straightConnector1">
-            <a:avLst/>
-          </a:prstGeom>
-          <a:ln w="19050">
+        </p:grpSpPr>
+        <p:sp>
+          <p:nvSpPr>
+            <p:cNvPr id="29" name="TextBox 28"/>
+            <p:cNvSpPr txBox="1"/>
+            <p:nvPr/>
+          </p:nvSpPr>
+          <p:spPr>
+            <a:xfrm>
+              <a:off x="1676400" y="2819400"/>
+              <a:ext cx="855809" cy="215444"/>
+            </a:xfrm>
+            <a:prstGeom prst="rect">
+              <a:avLst/>
+            </a:prstGeom>
+            <a:noFill/>
+          </p:spPr>
+          <p:txBody>
+            <a:bodyPr wrap="square" lIns="0" tIns="0" rIns="0" bIns="0" rtlCol="0">
+              <a:spAutoFit/>
+            </a:bodyPr>
+            <a:lstStyle>
+              <a:defPPr>
+                <a:defRPr lang="en-US"/>
+              </a:defPPr>
+              <a:lvl1pPr algn="r">
+                <a:defRPr sz="1400">
+                  <a:solidFill>
+                    <a:srgbClr val="0070C0"/>
+                  </a:solidFill>
+                </a:defRPr>
+              </a:lvl1pPr>
+            </a:lstStyle>
+            <a:p>
+              <a:r>
+                <a:rPr lang="en-US" dirty="0" smtClean="0"/>
+                <a:t>parseTag()</a:t>
+              </a:r>
+              <a:endParaRPr lang="en-US" dirty="0"/>
+            </a:p>
+          </p:txBody>
+        </p:sp>
+        <p:sp>
+          <p:nvSpPr>
+            <p:cNvPr id="82" name="TextBox 81"/>
+            <p:cNvSpPr txBox="1"/>
+            <p:nvPr/>
+          </p:nvSpPr>
+          <p:spPr>
+            <a:xfrm>
+              <a:off x="1676400" y="3810000"/>
+              <a:ext cx="1228889" cy="215444"/>
+            </a:xfrm>
+            <a:prstGeom prst="rect">
+              <a:avLst/>
+            </a:prstGeom>
+            <a:noFill/>
+          </p:spPr>
+          <p:txBody>
+            <a:bodyPr wrap="square" lIns="0" tIns="0" rIns="0" bIns="0" rtlCol="0">
+              <a:spAutoFit/>
+            </a:bodyPr>
+            <a:lstStyle>
+              <a:defPPr>
+                <a:defRPr lang="en-US"/>
+              </a:defPPr>
+              <a:lvl1pPr algn="r">
+                <a:defRPr sz="1400">
+                  <a:solidFill>
+                    <a:srgbClr val="0070C0"/>
+                  </a:solidFill>
+                </a:defRPr>
+              </a:lvl1pPr>
+            </a:lstStyle>
+            <a:p>
+              <a:r>
+                <a:rPr lang="en-US" dirty="0" smtClean="0"/>
+                <a:t>String t</a:t>
+              </a:r>
+              <a:r>
+                <a:rPr lang="en-US" dirty="0" smtClean="0"/>
+                <a:t>agColour</a:t>
+              </a:r>
+              <a:endParaRPr lang="en-US" dirty="0"/>
+            </a:p>
+          </p:txBody>
+        </p:sp>
+        <p:cxnSp>
+          <p:nvCxnSpPr>
+            <p:cNvPr id="66" name="Straight Arrow Connector 65">
+              <a:extLst>
+                <a:ext uri="{FF2B5EF4-FFF2-40B4-BE49-F238E27FC236}">
+                  <a16:creationId xmlns:a16="http://schemas.microsoft.com/office/drawing/2014/main" xmlns="" id="{39916E2E-195A-4DC8-B025-B05FA87E6796}"/>
+                </a:ext>
+              </a:extLst>
+            </p:cNvPr>
+            <p:cNvCxnSpPr>
+              <a:cxnSpLocks/>
+            </p:cNvCxnSpPr>
+            <p:nvPr/>
+          </p:nvCxnSpPr>
+          <p:spPr>
+            <a:xfrm flipV="1">
+              <a:off x="1615151" y="3072522"/>
+              <a:ext cx="1485904" cy="9133"/>
+            </a:xfrm>
+            <a:prstGeom prst="straightConnector1">
+              <a:avLst/>
+            </a:prstGeom>
+            <a:ln w="19050">
+              <a:solidFill>
+                <a:srgbClr val="0070C0"/>
+              </a:solidFill>
+              <a:tailEnd type="arrow"/>
+            </a:ln>
+          </p:spPr>
+          <p:style>
+            <a:lnRef idx="1">
+              <a:schemeClr val="accent1"/>
+            </a:lnRef>
+            <a:fillRef idx="0">
+              <a:schemeClr val="accent1"/>
+            </a:fillRef>
+            <a:effectRef idx="0">
+              <a:schemeClr val="accent1"/>
+            </a:effectRef>
+            <a:fontRef idx="minor">
+              <a:schemeClr val="tx1"/>
+            </a:fontRef>
+          </p:style>
+        </p:cxnSp>
+        <p:cxnSp>
+          <p:nvCxnSpPr>
+            <p:cNvPr id="69" name="Straight Arrow Connector 68">
+              <a:extLst>
+                <a:ext uri="{FF2B5EF4-FFF2-40B4-BE49-F238E27FC236}">
+                  <a16:creationId xmlns:a16="http://schemas.microsoft.com/office/drawing/2014/main" xmlns="" id="{7C9F21BC-13A9-471F-825A-2621FD36355F}"/>
+                </a:ext>
+              </a:extLst>
+            </p:cNvPr>
+            <p:cNvCxnSpPr>
+              <a:cxnSpLocks/>
+            </p:cNvCxnSpPr>
+            <p:nvPr/>
+          </p:nvCxnSpPr>
+          <p:spPr>
+            <a:xfrm>
+              <a:off x="1691998" y="4067120"/>
+              <a:ext cx="1385306" cy="5688"/>
+            </a:xfrm>
+            <a:prstGeom prst="straightConnector1">
+              <a:avLst/>
+            </a:prstGeom>
+            <a:ln w="19050">
+              <a:solidFill>
+                <a:srgbClr val="0070C0"/>
+              </a:solidFill>
+              <a:prstDash val="sysDash"/>
+              <a:headEnd type="arrow" w="med" len="med"/>
+              <a:tailEnd type="none" w="med" len="med"/>
+            </a:ln>
+          </p:spPr>
+          <p:style>
+            <a:lnRef idx="1">
+              <a:schemeClr val="accent1"/>
+            </a:lnRef>
+            <a:fillRef idx="0">
+              <a:schemeClr val="accent1"/>
+            </a:fillRef>
+            <a:effectRef idx="0">
+              <a:schemeClr val="accent1"/>
+            </a:effectRef>
+            <a:fontRef idx="minor">
+              <a:schemeClr val="tx1"/>
+            </a:fontRef>
+          </p:style>
+        </p:cxnSp>
+        <p:sp>
+          <p:nvSpPr>
+            <p:cNvPr id="42" name="Rectangle 41"/>
+            <p:cNvSpPr/>
+            <p:nvPr/>
+          </p:nvSpPr>
+          <p:spPr>
+            <a:xfrm>
+              <a:off x="3101055" y="2923133"/>
+              <a:ext cx="147748" cy="1212028"/>
+            </a:xfrm>
+            <a:prstGeom prst="rect">
+              <a:avLst/>
+            </a:prstGeom>
             <a:solidFill>
               <a:srgbClr val="0070C0"/>
             </a:solidFill>
-            <a:tailEnd type="arrow"/>
-          </a:ln>
-        </p:spPr>
-        <p:style>
-          <a:lnRef idx="1">
-            <a:schemeClr val="accent1"/>
-          </a:lnRef>
-          <a:fillRef idx="0">
-            <a:schemeClr val="accent1"/>
-          </a:fillRef>
-          <a:effectRef idx="0">
-            <a:schemeClr val="accent1"/>
-          </a:effectRef>
-          <a:fontRef idx="minor">
-            <a:schemeClr val="tx1"/>
-          </a:fontRef>
-        </p:style>
-      </p:cxnSp>
-      <p:cxnSp>
-        <p:nvCxnSpPr>
-          <p:cNvPr id="67" name="Straight Arrow Connector 66">
-            <a:extLst>
-              <a:ext uri="{FF2B5EF4-FFF2-40B4-BE49-F238E27FC236}">
-                <a16:creationId xmlns:a16="http://schemas.microsoft.com/office/drawing/2014/main" xmlns="" id="{D881596E-177C-4FDC-8E60-CAB90B3D5FAB}"/>
-              </a:ext>
-            </a:extLst>
-          </p:cNvPr>
-          <p:cNvCxnSpPr>
-            <a:cxnSpLocks/>
-          </p:cNvCxnSpPr>
-          <p:nvPr/>
-        </p:nvCxnSpPr>
-        <p:spPr>
-          <a:xfrm>
-            <a:off x="1708245" y="1363918"/>
-            <a:ext cx="2256705" cy="1"/>
-          </a:xfrm>
-          <a:prstGeom prst="straightConnector1">
-            <a:avLst/>
-          </a:prstGeom>
-          <a:ln w="19050">
+            <a:ln>
+              <a:solidFill>
+                <a:srgbClr val="0070C0"/>
+              </a:solidFill>
+            </a:ln>
+            <a:effectLst/>
+          </p:spPr>
+          <p:style>
+            <a:lnRef idx="1">
+              <a:schemeClr val="accent3"/>
+            </a:lnRef>
+            <a:fillRef idx="2">
+              <a:schemeClr val="accent3"/>
+            </a:fillRef>
+            <a:effectRef idx="1">
+              <a:schemeClr val="accent3"/>
+            </a:effectRef>
+            <a:fontRef idx="minor">
+              <a:schemeClr val="dk1"/>
+            </a:fontRef>
+          </p:style>
+          <p:txBody>
+            <a:bodyPr rtlCol="0" anchor="ctr"/>
+            <a:lstStyle/>
+            <a:p>
+              <a:pPr algn="ctr"/>
+              <a:endParaRPr lang="en-SG" sz="1400"/>
+            </a:p>
+          </p:txBody>
+        </p:sp>
+        <p:sp>
+          <p:nvSpPr>
+            <p:cNvPr id="43" name="Rectangle 62"/>
+            <p:cNvSpPr/>
+            <p:nvPr/>
+          </p:nvSpPr>
+          <p:spPr>
+            <a:xfrm>
+              <a:off x="2665784" y="2642794"/>
+              <a:ext cx="1079346" cy="329006"/>
+            </a:xfrm>
+            <a:prstGeom prst="rect">
+              <a:avLst/>
+            </a:prstGeom>
             <a:solidFill>
               <a:srgbClr val="0070C0"/>
             </a:solidFill>
-            <a:tailEnd type="arrow"/>
-          </a:ln>
-        </p:spPr>
-        <p:style>
-          <a:lnRef idx="1">
-            <a:schemeClr val="accent1"/>
-          </a:lnRef>
-          <a:fillRef idx="0">
-            <a:schemeClr val="accent1"/>
-          </a:fillRef>
-          <a:effectRef idx="0">
-            <a:schemeClr val="accent1"/>
-          </a:effectRef>
-          <a:fontRef idx="minor">
-            <a:schemeClr val="tx1"/>
-          </a:fontRef>
-        </p:style>
-      </p:cxnSp>
-      <p:cxnSp>
-        <p:nvCxnSpPr>
-          <p:cNvPr id="69" name="Straight Arrow Connector 68">
-            <a:extLst>
-              <a:ext uri="{FF2B5EF4-FFF2-40B4-BE49-F238E27FC236}">
-                <a16:creationId xmlns:a16="http://schemas.microsoft.com/office/drawing/2014/main" xmlns="" id="{7C9F21BC-13A9-471F-825A-2621FD36355F}"/>
-              </a:ext>
-            </a:extLst>
-          </p:cNvPr>
-          <p:cNvCxnSpPr>
-            <a:cxnSpLocks/>
-            <a:endCxn id="42" idx="2"/>
-          </p:cNvCxnSpPr>
+            <a:ln w="19050">
+              <a:solidFill>
+                <a:srgbClr val="0070C0"/>
+              </a:solidFill>
+            </a:ln>
+            <a:effectLst/>
+          </p:spPr>
+          <p:style>
+            <a:lnRef idx="1">
+              <a:schemeClr val="accent2"/>
+            </a:lnRef>
+            <a:fillRef idx="2">
+              <a:schemeClr val="accent2"/>
+            </a:fillRef>
+            <a:effectRef idx="1">
+              <a:schemeClr val="accent2"/>
+            </a:effectRef>
+            <a:fontRef idx="minor">
+              <a:schemeClr val="dk1"/>
+            </a:fontRef>
+          </p:style>
+          <p:txBody>
+            <a:bodyPr rtlCol="0" anchor="ctr"/>
+            <a:lstStyle/>
+            <a:p>
+              <a:pPr algn="ctr"/>
+              <a:r>
+                <a:rPr lang="en-SG" sz="1600" dirty="0" smtClean="0">
+                  <a:solidFill>
+                    <a:schemeClr val="bg1"/>
+                  </a:solidFill>
+                </a:rPr>
+                <a:t>:ParserUtil</a:t>
+              </a:r>
+              <a:endParaRPr lang="en-SG" sz="1600" dirty="0">
+                <a:solidFill>
+                  <a:schemeClr val="bg1"/>
+                </a:solidFill>
+              </a:endParaRPr>
+            </a:p>
+          </p:txBody>
+        </p:sp>
+        <p:sp>
+          <p:nvSpPr>
+            <p:cNvPr id="52" name="TextBox 51"/>
+            <p:cNvSpPr txBox="1"/>
+            <p:nvPr/>
+          </p:nvSpPr>
+          <p:spPr>
+            <a:xfrm>
+              <a:off x="1676400" y="3147147"/>
+              <a:ext cx="1424655" cy="215444"/>
+            </a:xfrm>
+            <a:prstGeom prst="rect">
+              <a:avLst/>
+            </a:prstGeom>
+            <a:noFill/>
+          </p:spPr>
+          <p:txBody>
+            <a:bodyPr wrap="square" lIns="0" tIns="0" rIns="0" bIns="0" rtlCol="0">
+              <a:spAutoFit/>
+            </a:bodyPr>
+            <a:lstStyle>
+              <a:defPPr>
+                <a:defRPr lang="en-US"/>
+              </a:defPPr>
+              <a:lvl1pPr algn="r">
+                <a:defRPr sz="1400">
+                  <a:solidFill>
+                    <a:srgbClr val="0070C0"/>
+                  </a:solidFill>
+                </a:defRPr>
+              </a:lvl1pPr>
+            </a:lstStyle>
+            <a:p>
+              <a:r>
+                <a:rPr lang="en-US" dirty="0" smtClean="0"/>
+                <a:t>parseTagColour()</a:t>
+              </a:r>
+              <a:endParaRPr lang="en-US" dirty="0"/>
+            </a:p>
+          </p:txBody>
+        </p:sp>
+        <p:cxnSp>
+          <p:nvCxnSpPr>
+            <p:cNvPr id="53" name="Straight Arrow Connector 52">
+              <a:extLst>
+                <a:ext uri="{FF2B5EF4-FFF2-40B4-BE49-F238E27FC236}">
+                  <a16:creationId xmlns:a16="http://schemas.microsoft.com/office/drawing/2014/main" xmlns="" id="{39916E2E-195A-4DC8-B025-B05FA87E6796}"/>
+                </a:ext>
+              </a:extLst>
+            </p:cNvPr>
+            <p:cNvCxnSpPr>
+              <a:cxnSpLocks/>
+            </p:cNvCxnSpPr>
+            <p:nvPr/>
+          </p:nvCxnSpPr>
+          <p:spPr>
+            <a:xfrm flipV="1">
+              <a:off x="1665048" y="3401967"/>
+              <a:ext cx="1436007" cy="14397"/>
+            </a:xfrm>
+            <a:prstGeom prst="straightConnector1">
+              <a:avLst/>
+            </a:prstGeom>
+            <a:ln w="19050">
+              <a:solidFill>
+                <a:srgbClr val="0070C0"/>
+              </a:solidFill>
+              <a:tailEnd type="arrow"/>
+            </a:ln>
+          </p:spPr>
+          <p:style>
+            <a:lnRef idx="1">
+              <a:schemeClr val="accent1"/>
+            </a:lnRef>
+            <a:fillRef idx="0">
+              <a:schemeClr val="accent1"/>
+            </a:fillRef>
+            <a:effectRef idx="0">
+              <a:schemeClr val="accent1"/>
+            </a:effectRef>
+            <a:fontRef idx="minor">
+              <a:schemeClr val="tx1"/>
+            </a:fontRef>
+          </p:style>
+        </p:cxnSp>
+        <p:sp>
+          <p:nvSpPr>
+            <p:cNvPr id="54" name="TextBox 53"/>
+            <p:cNvSpPr txBox="1"/>
+            <p:nvPr/>
+          </p:nvSpPr>
+          <p:spPr>
+            <a:xfrm>
+              <a:off x="1905000" y="3487903"/>
+              <a:ext cx="607682" cy="215444"/>
+            </a:xfrm>
+            <a:prstGeom prst="rect">
+              <a:avLst/>
+            </a:prstGeom>
+            <a:noFill/>
+          </p:spPr>
+          <p:txBody>
+            <a:bodyPr wrap="square" lIns="0" tIns="0" rIns="0" bIns="0" rtlCol="0">
+              <a:spAutoFit/>
+            </a:bodyPr>
+            <a:lstStyle>
+              <a:defPPr>
+                <a:defRPr lang="en-US"/>
+              </a:defPPr>
+              <a:lvl1pPr algn="r">
+                <a:defRPr sz="1400">
+                  <a:solidFill>
+                    <a:srgbClr val="0070C0"/>
+                  </a:solidFill>
+                </a:defRPr>
+              </a:lvl1pPr>
+            </a:lstStyle>
+            <a:p>
+              <a:r>
+                <a:rPr lang="en-US" dirty="0" smtClean="0"/>
+                <a:t>Tag tag</a:t>
+              </a:r>
+              <a:endParaRPr lang="en-US" dirty="0"/>
+            </a:p>
+          </p:txBody>
+        </p:sp>
+        <p:cxnSp>
+          <p:nvCxnSpPr>
+            <p:cNvPr id="55" name="Straight Arrow Connector 54">
+              <a:extLst>
+                <a:ext uri="{FF2B5EF4-FFF2-40B4-BE49-F238E27FC236}">
+                  <a16:creationId xmlns:a16="http://schemas.microsoft.com/office/drawing/2014/main" xmlns="" id="{7C9F21BC-13A9-471F-825A-2621FD36355F}"/>
+                </a:ext>
+              </a:extLst>
+            </p:cNvPr>
+            <p:cNvCxnSpPr>
+              <a:cxnSpLocks/>
+            </p:cNvCxnSpPr>
+            <p:nvPr/>
+          </p:nvCxnSpPr>
+          <p:spPr>
+            <a:xfrm>
+              <a:off x="1691351" y="3727014"/>
+              <a:ext cx="1424271" cy="5397"/>
+            </a:xfrm>
+            <a:prstGeom prst="straightConnector1">
+              <a:avLst/>
+            </a:prstGeom>
+            <a:ln w="19050">
+              <a:solidFill>
+                <a:srgbClr val="0070C0"/>
+              </a:solidFill>
+              <a:prstDash val="sysDash"/>
+              <a:headEnd type="arrow" w="med" len="med"/>
+              <a:tailEnd type="none" w="med" len="med"/>
+            </a:ln>
+          </p:spPr>
+          <p:style>
+            <a:lnRef idx="1">
+              <a:schemeClr val="accent1"/>
+            </a:lnRef>
+            <a:fillRef idx="0">
+              <a:schemeClr val="accent1"/>
+            </a:fillRef>
+            <a:effectRef idx="0">
+              <a:schemeClr val="accent1"/>
+            </a:effectRef>
+            <a:fontRef idx="minor">
+              <a:schemeClr val="tx1"/>
+            </a:fontRef>
+          </p:style>
+        </p:cxnSp>
+      </p:grpSp>
+      <p:sp>
+        <p:nvSpPr>
+          <p:cNvPr id="56" name="TextBox 55"/>
+          <p:cNvSpPr txBox="1"/>
           <p:nvPr/>
-        </p:nvCxnSpPr>
+        </p:nvSpPr>
         <p:spPr>
           <a:xfrm>
-            <a:off x="1691998" y="4036462"/>
-            <a:ext cx="2718939" cy="1"/>
-          </a:xfrm>
-          <a:prstGeom prst="straightConnector1">
-            <a:avLst/>
-          </a:prstGeom>
-          <a:ln w="19050">
-            <a:solidFill>
-              <a:srgbClr val="0070C0"/>
-            </a:solidFill>
-            <a:prstDash val="sysDash"/>
-            <a:headEnd type="arrow" w="med" len="med"/>
-            <a:tailEnd type="none" w="med" len="med"/>
-          </a:ln>
-        </p:spPr>
-        <p:style>
-          <a:lnRef idx="1">
-            <a:schemeClr val="accent1"/>
-          </a:lnRef>
-          <a:fillRef idx="0">
-            <a:schemeClr val="accent1"/>
-          </a:fillRef>
-          <a:effectRef idx="0">
-            <a:schemeClr val="accent1"/>
-          </a:effectRef>
-          <a:fontRef idx="minor">
-            <a:schemeClr val="tx1"/>
-          </a:fontRef>
-        </p:style>
-      </p:cxnSp>
-      <p:cxnSp>
-        <p:nvCxnSpPr>
-          <p:cNvPr id="74" name="Straight Arrow Connector 73">
-            <a:extLst>
-              <a:ext uri="{FF2B5EF4-FFF2-40B4-BE49-F238E27FC236}">
-                <a16:creationId xmlns:a16="http://schemas.microsoft.com/office/drawing/2014/main" xmlns="" id="{854D9FBB-2B36-4DC9-8B58-F7F177A8E586}"/>
-              </a:ext>
-            </a:extLst>
-          </p:cNvPr>
-          <p:cNvCxnSpPr>
-            <a:cxnSpLocks/>
-          </p:cNvCxnSpPr>
-          <p:nvPr/>
-        </p:nvCxnSpPr>
-        <p:spPr>
-          <a:xfrm>
-            <a:off x="5642303" y="2257095"/>
-            <a:ext cx="1560718" cy="9080"/>
-          </a:xfrm>
-          <a:prstGeom prst="straightConnector1">
-            <a:avLst/>
-          </a:prstGeom>
-          <a:ln w="19050">
-            <a:solidFill>
-              <a:srgbClr val="0070C0"/>
-            </a:solidFill>
-            <a:prstDash val="sysDash"/>
-            <a:headEnd type="arrow" w="med" len="med"/>
-            <a:tailEnd type="none" w="med" len="med"/>
-          </a:ln>
-        </p:spPr>
-        <p:style>
-          <a:lnRef idx="1">
-            <a:schemeClr val="accent1"/>
-          </a:lnRef>
-          <a:fillRef idx="0">
-            <a:schemeClr val="accent1"/>
-          </a:fillRef>
-          <a:effectRef idx="0">
-            <a:schemeClr val="accent1"/>
-          </a:effectRef>
-          <a:fontRef idx="minor">
-            <a:schemeClr val="tx1"/>
-          </a:fontRef>
-        </p:style>
-      </p:cxnSp>
-      <p:sp>
-        <p:nvSpPr>
-          <p:cNvPr id="85" name="TextBox 84">
-            <a:extLst>
-              <a:ext uri="{FF2B5EF4-FFF2-40B4-BE49-F238E27FC236}">
-                <a16:creationId xmlns:a16="http://schemas.microsoft.com/office/drawing/2014/main" xmlns="" id="{ABFA3722-C3DD-4BF5-815F-9CFBE6942C90}"/>
-              </a:ext>
-            </a:extLst>
-          </p:cNvPr>
-          <p:cNvSpPr txBox="1"/>
-          <p:nvPr/>
-        </p:nvSpPr>
-        <p:spPr>
-          <a:xfrm>
-            <a:off x="5968093" y="2057400"/>
+            <a:off x="3148407" y="3572429"/>
             <a:ext cx="767033" cy="184666"/>
           </a:xfrm>
           <a:prstGeom prst="rect">
@@ -4967,29 +4446,1712 @@
             </a:lvl1pPr>
           </a:lstStyle>
           <a:p>
-            <a:pPr algn="ctr"/>
-            <a:r>
-              <a:rPr lang="en-US" sz="1200" dirty="0" err="1" smtClean="0"/>
-              <a:t>isTagValid</a:t>
+            <a:r>
+              <a:rPr lang="en-US" sz="1200" dirty="0"/>
+              <a:t>e</a:t>
             </a:r>
             <a:r>
               <a:rPr lang="en-US" sz="1200" dirty="0" smtClean="0"/>
-              <a:t>()</a:t>
+              <a:t>xecute()</a:t>
             </a:r>
             <a:endParaRPr lang="en-US" sz="1200" dirty="0"/>
           </a:p>
         </p:txBody>
       </p:sp>
-      <p:sp>
-        <p:nvSpPr>
-          <p:cNvPr id="42" name="Rectangle 41"/>
+      <p:grpSp>
+        <p:nvGrpSpPr>
+          <p:cNvPr id="147" name="Group 146"/>
+          <p:cNvGrpSpPr/>
+          <p:nvPr/>
+        </p:nvGrpSpPr>
+        <p:grpSpPr>
+          <a:xfrm>
+            <a:off x="662627" y="2755048"/>
+            <a:ext cx="3177903" cy="2731352"/>
+            <a:chOff x="1622697" y="423022"/>
+            <a:chExt cx="3177903" cy="2731352"/>
+          </a:xfrm>
+        </p:grpSpPr>
+        <p:sp>
+          <p:nvSpPr>
+            <p:cNvPr id="16" name="Rectangle 62"/>
+            <p:cNvSpPr/>
+            <p:nvPr/>
+          </p:nvSpPr>
+          <p:spPr>
+            <a:xfrm>
+              <a:off x="3437188" y="423022"/>
+              <a:ext cx="1363412" cy="467684"/>
+            </a:xfrm>
+            <a:prstGeom prst="rect">
+              <a:avLst/>
+            </a:prstGeom>
+            <a:solidFill>
+              <a:srgbClr val="0070C0"/>
+            </a:solidFill>
+            <a:ln w="19050">
+              <a:solidFill>
+                <a:srgbClr val="0070C0"/>
+              </a:solidFill>
+            </a:ln>
+            <a:effectLst/>
+          </p:spPr>
+          <p:style>
+            <a:lnRef idx="1">
+              <a:schemeClr val="accent2"/>
+            </a:lnRef>
+            <a:fillRef idx="2">
+              <a:schemeClr val="accent2"/>
+            </a:fillRef>
+            <a:effectRef idx="1">
+              <a:schemeClr val="accent2"/>
+            </a:effectRef>
+            <a:fontRef idx="minor">
+              <a:schemeClr val="dk1"/>
+            </a:fontRef>
+          </p:style>
+          <p:txBody>
+            <a:bodyPr rtlCol="0" anchor="ctr"/>
+            <a:lstStyle/>
+            <a:p>
+              <a:pPr algn="ctr"/>
+              <a:r>
+                <a:rPr lang="en-SG" sz="1600" dirty="0" smtClean="0">
+                  <a:solidFill>
+                    <a:schemeClr val="bg1"/>
+                  </a:solidFill>
+                </a:rPr>
+                <a:t>:SetCommand</a:t>
+              </a:r>
+              <a:endParaRPr lang="en-SG" sz="1600" dirty="0">
+                <a:solidFill>
+                  <a:schemeClr val="bg1"/>
+                </a:solidFill>
+              </a:endParaRPr>
+            </a:p>
+          </p:txBody>
+        </p:sp>
+        <p:sp>
+          <p:nvSpPr>
+            <p:cNvPr id="18" name="Rectangle 17"/>
+            <p:cNvSpPr/>
+            <p:nvPr/>
+          </p:nvSpPr>
+          <p:spPr>
+            <a:xfrm>
+              <a:off x="3975086" y="883778"/>
+              <a:ext cx="144013" cy="2266637"/>
+            </a:xfrm>
+            <a:prstGeom prst="rect">
+              <a:avLst/>
+            </a:prstGeom>
+            <a:solidFill>
+              <a:srgbClr val="0070C0"/>
+            </a:solidFill>
+            <a:ln>
+              <a:solidFill>
+                <a:srgbClr val="0070C0"/>
+              </a:solidFill>
+            </a:ln>
+            <a:effectLst/>
+          </p:spPr>
+          <p:style>
+            <a:lnRef idx="1">
+              <a:schemeClr val="accent3"/>
+            </a:lnRef>
+            <a:fillRef idx="2">
+              <a:schemeClr val="accent3"/>
+            </a:fillRef>
+            <a:effectRef idx="1">
+              <a:schemeClr val="accent3"/>
+            </a:effectRef>
+            <a:fontRef idx="minor">
+              <a:schemeClr val="dk1"/>
+            </a:fontRef>
+          </p:style>
+          <p:txBody>
+            <a:bodyPr rtlCol="0" anchor="ctr"/>
+            <a:lstStyle/>
+            <a:p>
+              <a:pPr algn="ctr"/>
+              <a:endParaRPr lang="en-SG" sz="1400">
+                <a:solidFill>
+                  <a:schemeClr val="dk1"/>
+                </a:solidFill>
+              </a:endParaRPr>
+            </a:p>
+          </p:txBody>
+        </p:sp>
+        <p:cxnSp>
+          <p:nvCxnSpPr>
+            <p:cNvPr id="35" name="Straight Arrow Connector 34"/>
+            <p:cNvCxnSpPr>
+              <a:cxnSpLocks/>
+            </p:cNvCxnSpPr>
+            <p:nvPr/>
+          </p:nvCxnSpPr>
+          <p:spPr>
+            <a:xfrm>
+              <a:off x="2631006" y="3143781"/>
+              <a:ext cx="1433356" cy="10593"/>
+            </a:xfrm>
+            <a:prstGeom prst="straightConnector1">
+              <a:avLst/>
+            </a:prstGeom>
+            <a:ln w="19050">
+              <a:solidFill>
+                <a:srgbClr val="0070C0"/>
+              </a:solidFill>
+              <a:prstDash val="sysDash"/>
+              <a:headEnd type="arrow" w="med" len="med"/>
+              <a:tailEnd type="none" w="med" len="med"/>
+            </a:ln>
+          </p:spPr>
+          <p:style>
+            <a:lnRef idx="1">
+              <a:schemeClr val="accent1"/>
+            </a:lnRef>
+            <a:fillRef idx="0">
+              <a:schemeClr val="accent1"/>
+            </a:fillRef>
+            <a:effectRef idx="0">
+              <a:schemeClr val="accent1"/>
+            </a:effectRef>
+            <a:fontRef idx="minor">
+              <a:schemeClr val="tx1"/>
+            </a:fontRef>
+          </p:style>
+        </p:cxnSp>
+        <p:sp>
+          <p:nvSpPr>
+            <p:cNvPr id="80" name="TextBox 79"/>
+            <p:cNvSpPr txBox="1"/>
+            <p:nvPr/>
+          </p:nvSpPr>
+          <p:spPr>
+            <a:xfrm>
+              <a:off x="1622697" y="2327605"/>
+              <a:ext cx="1899551" cy="215444"/>
+            </a:xfrm>
+            <a:prstGeom prst="rect">
+              <a:avLst/>
+            </a:prstGeom>
+            <a:noFill/>
+          </p:spPr>
+          <p:txBody>
+            <a:bodyPr wrap="square" lIns="0" tIns="0" rIns="0" bIns="0" rtlCol="0">
+              <a:spAutoFit/>
+            </a:bodyPr>
+            <a:lstStyle>
+              <a:defPPr>
+                <a:defRPr lang="en-US"/>
+              </a:defPPr>
+              <a:lvl1pPr algn="r">
+                <a:defRPr sz="1400">
+                  <a:solidFill>
+                    <a:srgbClr val="0070C0"/>
+                  </a:solidFill>
+                </a:defRPr>
+              </a:lvl1pPr>
+            </a:lstStyle>
+            <a:p>
+              <a:r>
+                <a:rPr lang="en-US" dirty="0"/>
+                <a:t>p</a:t>
+              </a:r>
+              <a:r>
+                <a:rPr lang="en-US" dirty="0" smtClean="0"/>
+                <a:t>arse()</a:t>
+              </a:r>
+              <a:endParaRPr lang="en-US" dirty="0"/>
+            </a:p>
+          </p:txBody>
+        </p:sp>
+        <p:cxnSp>
+          <p:nvCxnSpPr>
+            <p:cNvPr id="67" name="Straight Arrow Connector 66">
+              <a:extLst>
+                <a:ext uri="{FF2B5EF4-FFF2-40B4-BE49-F238E27FC236}">
+                  <a16:creationId xmlns:a16="http://schemas.microsoft.com/office/drawing/2014/main" xmlns="" id="{D881596E-177C-4FDC-8E60-CAB90B3D5FAB}"/>
+                </a:ext>
+              </a:extLst>
+            </p:cNvPr>
+            <p:cNvCxnSpPr>
+              <a:cxnSpLocks/>
+            </p:cNvCxnSpPr>
+            <p:nvPr/>
+          </p:nvCxnSpPr>
+          <p:spPr>
+            <a:xfrm>
+              <a:off x="2598282" y="2564211"/>
+              <a:ext cx="1354671" cy="11308"/>
+            </a:xfrm>
+            <a:prstGeom prst="straightConnector1">
+              <a:avLst/>
+            </a:prstGeom>
+            <a:ln w="19050">
+              <a:solidFill>
+                <a:srgbClr val="0070C0"/>
+              </a:solidFill>
+              <a:tailEnd type="arrow"/>
+            </a:ln>
+          </p:spPr>
+          <p:style>
+            <a:lnRef idx="1">
+              <a:schemeClr val="accent1"/>
+            </a:lnRef>
+            <a:fillRef idx="0">
+              <a:schemeClr val="accent1"/>
+            </a:fillRef>
+            <a:effectRef idx="0">
+              <a:schemeClr val="accent1"/>
+            </a:effectRef>
+            <a:fontRef idx="minor">
+              <a:schemeClr val="tx1"/>
+            </a:fontRef>
+          </p:style>
+        </p:cxnSp>
+        <p:sp>
+          <p:nvSpPr>
+            <p:cNvPr id="63" name="TextBox 62"/>
+            <p:cNvSpPr txBox="1"/>
+            <p:nvPr/>
+          </p:nvSpPr>
+          <p:spPr>
+            <a:xfrm>
+              <a:off x="2658049" y="2884795"/>
+              <a:ext cx="1273822" cy="192024"/>
+            </a:xfrm>
+            <a:prstGeom prst="rect">
+              <a:avLst/>
+            </a:prstGeom>
+            <a:noFill/>
+          </p:spPr>
+          <p:txBody>
+            <a:bodyPr wrap="square" lIns="0" tIns="0" rIns="0" bIns="0" rtlCol="0">
+              <a:spAutoFit/>
+            </a:bodyPr>
+            <a:lstStyle>
+              <a:defPPr>
+                <a:defRPr lang="en-US"/>
+              </a:defPPr>
+              <a:lvl1pPr algn="r">
+                <a:defRPr sz="1400">
+                  <a:solidFill>
+                    <a:srgbClr val="0070C0"/>
+                  </a:solidFill>
+                </a:defRPr>
+              </a:lvl1pPr>
+            </a:lstStyle>
+            <a:p>
+              <a:r>
+                <a:rPr lang="en-US" sz="1200" dirty="0" smtClean="0"/>
+                <a:t>CommandResult()</a:t>
+              </a:r>
+              <a:endParaRPr lang="en-US" sz="1200" dirty="0"/>
+            </a:p>
+          </p:txBody>
+        </p:sp>
+      </p:grpSp>
+      <p:grpSp>
+        <p:nvGrpSpPr>
+          <p:cNvPr id="145" name="Group 144"/>
+          <p:cNvGrpSpPr/>
+          <p:nvPr/>
+        </p:nvGrpSpPr>
+        <p:grpSpPr>
+          <a:xfrm>
+            <a:off x="4585255" y="390992"/>
+            <a:ext cx="5020279" cy="4253144"/>
+            <a:chOff x="5667193" y="-1061440"/>
+            <a:chExt cx="5020279" cy="4253144"/>
+          </a:xfrm>
+        </p:grpSpPr>
+        <p:sp>
+          <p:nvSpPr>
+            <p:cNvPr id="64" name="Rectangle 65"/>
+            <p:cNvSpPr/>
+            <p:nvPr/>
+          </p:nvSpPr>
+          <p:spPr>
+            <a:xfrm>
+              <a:off x="6206156" y="-1061440"/>
+              <a:ext cx="4331046" cy="4253144"/>
+            </a:xfrm>
+            <a:prstGeom prst="roundRect">
+              <a:avLst>
+                <a:gd name="adj" fmla="val 3484"/>
+              </a:avLst>
+            </a:prstGeom>
+            <a:solidFill>
+              <a:schemeClr val="accent4">
+                <a:lumMod val="20000"/>
+                <a:lumOff val="80000"/>
+              </a:schemeClr>
+            </a:solidFill>
+            <a:ln w="19050">
+              <a:noFill/>
+            </a:ln>
+            <a:effectLst/>
+          </p:spPr>
+          <p:style>
+            <a:lnRef idx="1">
+              <a:schemeClr val="accent2"/>
+            </a:lnRef>
+            <a:fillRef idx="2">
+              <a:schemeClr val="accent2"/>
+            </a:fillRef>
+            <a:effectRef idx="1">
+              <a:schemeClr val="accent2"/>
+            </a:effectRef>
+            <a:fontRef idx="minor">
+              <a:schemeClr val="dk1"/>
+            </a:fontRef>
+          </p:style>
+          <p:txBody>
+            <a:bodyPr rtlCol="0" anchor="t"/>
+            <a:lstStyle/>
+            <a:p>
+              <a:r>
+                <a:rPr lang="en-US" sz="1200" b="1" dirty="0" smtClean="0">
+                  <a:solidFill>
+                    <a:srgbClr val="0070C0"/>
+                  </a:solidFill>
+                </a:rPr>
+                <a:t>Model</a:t>
+              </a:r>
+            </a:p>
+            <a:p>
+              <a:endParaRPr lang="en-SG" sz="1200" b="1" dirty="0">
+                <a:solidFill>
+                  <a:srgbClr val="0070C0"/>
+                </a:solidFill>
+              </a:endParaRPr>
+            </a:p>
+          </p:txBody>
+        </p:sp>
+        <p:sp>
+          <p:nvSpPr>
+            <p:cNvPr id="79" name="TextBox 78"/>
+            <p:cNvSpPr txBox="1"/>
+            <p:nvPr/>
+          </p:nvSpPr>
+          <p:spPr>
+            <a:xfrm>
+              <a:off x="5891614" y="1715659"/>
+              <a:ext cx="952394" cy="184666"/>
+            </a:xfrm>
+            <a:prstGeom prst="rect">
+              <a:avLst/>
+            </a:prstGeom>
+            <a:noFill/>
+          </p:spPr>
+          <p:txBody>
+            <a:bodyPr wrap="square" lIns="0" tIns="0" rIns="0" bIns="0" rtlCol="0">
+              <a:spAutoFit/>
+            </a:bodyPr>
+            <a:lstStyle>
+              <a:defPPr>
+                <a:defRPr lang="en-US"/>
+              </a:defPPr>
+              <a:lvl1pPr algn="r">
+                <a:defRPr sz="1400">
+                  <a:solidFill>
+                    <a:srgbClr val="0070C0"/>
+                  </a:solidFill>
+                </a:defRPr>
+              </a:lvl1pPr>
+            </a:lstStyle>
+            <a:p>
+              <a:r>
+                <a:rPr lang="en-US" sz="1200" dirty="0" smtClean="0"/>
+                <a:t>setTagcolour()</a:t>
+              </a:r>
+              <a:endParaRPr lang="en-US" sz="1200" dirty="0"/>
+            </a:p>
+          </p:txBody>
+        </p:sp>
+        <p:sp>
+          <p:nvSpPr>
+            <p:cNvPr id="84" name="Rectangle 62"/>
+            <p:cNvSpPr/>
+            <p:nvPr/>
+          </p:nvSpPr>
+          <p:spPr>
+            <a:xfrm>
+              <a:off x="6377229" y="734963"/>
+              <a:ext cx="1545612" cy="709398"/>
+            </a:xfrm>
+            <a:prstGeom prst="rect">
+              <a:avLst/>
+            </a:prstGeom>
+            <a:solidFill>
+              <a:srgbClr val="0070C0"/>
+            </a:solidFill>
+            <a:ln w="19050">
+              <a:solidFill>
+                <a:srgbClr val="0070C0"/>
+              </a:solidFill>
+            </a:ln>
+            <a:effectLst/>
+          </p:spPr>
+          <p:style>
+            <a:lnRef idx="1">
+              <a:schemeClr val="accent2"/>
+            </a:lnRef>
+            <a:fillRef idx="2">
+              <a:schemeClr val="accent2"/>
+            </a:fillRef>
+            <a:effectRef idx="1">
+              <a:schemeClr val="accent2"/>
+            </a:effectRef>
+            <a:fontRef idx="minor">
+              <a:schemeClr val="dk1"/>
+            </a:fontRef>
+          </p:style>
+          <p:txBody>
+            <a:bodyPr rtlCol="0" anchor="ctr"/>
+            <a:lstStyle/>
+            <a:p>
+              <a:pPr algn="ctr"/>
+              <a:r>
+                <a:rPr lang="en-US" sz="1600" dirty="0" smtClean="0">
+                  <a:solidFill>
+                    <a:schemeClr val="bg1"/>
+                  </a:solidFill>
+                </a:rPr>
+                <a:t>:ModelManager (implements Model)</a:t>
+              </a:r>
+              <a:endParaRPr lang="en-SG" sz="1600" dirty="0">
+                <a:solidFill>
+                  <a:schemeClr val="bg1"/>
+                </a:solidFill>
+              </a:endParaRPr>
+            </a:p>
+          </p:txBody>
+        </p:sp>
+        <p:cxnSp>
+          <p:nvCxnSpPr>
+            <p:cNvPr id="46" name="Straight Connector 45"/>
+            <p:cNvCxnSpPr>
+              <a:cxnSpLocks/>
+            </p:cNvCxnSpPr>
+            <p:nvPr/>
+          </p:nvCxnSpPr>
+          <p:spPr>
+            <a:xfrm>
+              <a:off x="7188282" y="1427658"/>
+              <a:ext cx="13303" cy="1408176"/>
+            </a:xfrm>
+            <a:prstGeom prst="line">
+              <a:avLst/>
+            </a:prstGeom>
+            <a:ln w="19050">
+              <a:solidFill>
+                <a:srgbClr val="0070C0"/>
+              </a:solidFill>
+              <a:prstDash val="sysDash"/>
+            </a:ln>
+            <a:effectLst/>
+          </p:spPr>
+          <p:style>
+            <a:lnRef idx="1">
+              <a:schemeClr val="accent1"/>
+            </a:lnRef>
+            <a:fillRef idx="2">
+              <a:schemeClr val="accent1"/>
+            </a:fillRef>
+            <a:effectRef idx="1">
+              <a:schemeClr val="accent1"/>
+            </a:effectRef>
+            <a:fontRef idx="minor">
+              <a:schemeClr val="dk1"/>
+            </a:fontRef>
+          </p:style>
+        </p:cxnSp>
+        <p:sp>
+          <p:nvSpPr>
+            <p:cNvPr id="49" name="Rectangle 48"/>
+            <p:cNvSpPr/>
+            <p:nvPr/>
+          </p:nvSpPr>
+          <p:spPr>
+            <a:xfrm>
+              <a:off x="7125260" y="1654098"/>
+              <a:ext cx="156687" cy="807536"/>
+            </a:xfrm>
+            <a:prstGeom prst="rect">
+              <a:avLst/>
+            </a:prstGeom>
+            <a:solidFill>
+              <a:srgbClr val="0070C0"/>
+            </a:solidFill>
+            <a:ln>
+              <a:solidFill>
+                <a:srgbClr val="0070C0"/>
+              </a:solidFill>
+            </a:ln>
+            <a:effectLst/>
+          </p:spPr>
+          <p:style>
+            <a:lnRef idx="1">
+              <a:schemeClr val="accent3"/>
+            </a:lnRef>
+            <a:fillRef idx="2">
+              <a:schemeClr val="accent3"/>
+            </a:fillRef>
+            <a:effectRef idx="1">
+              <a:schemeClr val="accent3"/>
+            </a:effectRef>
+            <a:fontRef idx="minor">
+              <a:schemeClr val="dk1"/>
+            </a:fontRef>
+          </p:style>
+          <p:txBody>
+            <a:bodyPr rtlCol="0" anchor="ctr"/>
+            <a:lstStyle/>
+            <a:p>
+              <a:pPr algn="ctr"/>
+              <a:endParaRPr lang="en-SG" sz="1400"/>
+            </a:p>
+          </p:txBody>
+        </p:sp>
+        <p:cxnSp>
+          <p:nvCxnSpPr>
+            <p:cNvPr id="50" name="Straight Arrow Connector 49"/>
+            <p:cNvCxnSpPr>
+              <a:cxnSpLocks/>
+            </p:cNvCxnSpPr>
+            <p:nvPr/>
+          </p:nvCxnSpPr>
+          <p:spPr>
+            <a:xfrm>
+              <a:off x="5667193" y="1966761"/>
+              <a:ext cx="1446936" cy="9764"/>
+            </a:xfrm>
+            <a:prstGeom prst="straightConnector1">
+              <a:avLst/>
+            </a:prstGeom>
+            <a:ln w="19050">
+              <a:solidFill>
+                <a:srgbClr val="0070C0"/>
+              </a:solidFill>
+              <a:tailEnd type="arrow"/>
+            </a:ln>
+          </p:spPr>
+          <p:style>
+            <a:lnRef idx="1">
+              <a:schemeClr val="accent1"/>
+            </a:lnRef>
+            <a:fillRef idx="0">
+              <a:schemeClr val="accent1"/>
+            </a:fillRef>
+            <a:effectRef idx="0">
+              <a:schemeClr val="accent1"/>
+            </a:effectRef>
+            <a:fontRef idx="minor">
+              <a:schemeClr val="tx1"/>
+            </a:fontRef>
+          </p:style>
+        </p:cxnSp>
+        <p:sp>
+          <p:nvSpPr>
+            <p:cNvPr id="68" name="Rectangle 62"/>
+            <p:cNvSpPr/>
+            <p:nvPr/>
+          </p:nvSpPr>
+          <p:spPr>
+            <a:xfrm>
+              <a:off x="8104697" y="1163198"/>
+              <a:ext cx="1401907" cy="477983"/>
+            </a:xfrm>
+            <a:prstGeom prst="rect">
+              <a:avLst/>
+            </a:prstGeom>
+            <a:solidFill>
+              <a:srgbClr val="0070C0"/>
+            </a:solidFill>
+            <a:ln w="19050">
+              <a:solidFill>
+                <a:srgbClr val="0070C0"/>
+              </a:solidFill>
+            </a:ln>
+            <a:effectLst/>
+          </p:spPr>
+          <p:style>
+            <a:lnRef idx="1">
+              <a:schemeClr val="accent2"/>
+            </a:lnRef>
+            <a:fillRef idx="2">
+              <a:schemeClr val="accent2"/>
+            </a:fillRef>
+            <a:effectRef idx="1">
+              <a:schemeClr val="accent2"/>
+            </a:effectRef>
+            <a:fontRef idx="minor">
+              <a:schemeClr val="dk1"/>
+            </a:fontRef>
+          </p:style>
+          <p:txBody>
+            <a:bodyPr rtlCol="0" anchor="ctr"/>
+            <a:lstStyle/>
+            <a:p>
+              <a:pPr algn="ctr"/>
+              <a:r>
+                <a:rPr lang="en-US" sz="1600" dirty="0" smtClean="0">
+                  <a:solidFill>
+                    <a:schemeClr val="bg1"/>
+                  </a:solidFill>
+                </a:rPr>
+                <a:t>:AddressBook</a:t>
+              </a:r>
+            </a:p>
+          </p:txBody>
+        </p:sp>
+        <p:sp>
+          <p:nvSpPr>
+            <p:cNvPr id="70" name="Rectangle 69"/>
+            <p:cNvSpPr/>
+            <p:nvPr/>
+          </p:nvSpPr>
+          <p:spPr>
+            <a:xfrm>
+              <a:off x="8770556" y="1897022"/>
+              <a:ext cx="181672" cy="634455"/>
+            </a:xfrm>
+            <a:prstGeom prst="rect">
+              <a:avLst/>
+            </a:prstGeom>
+            <a:solidFill>
+              <a:srgbClr val="0070C0"/>
+            </a:solidFill>
+            <a:ln>
+              <a:solidFill>
+                <a:srgbClr val="0070C0"/>
+              </a:solidFill>
+            </a:ln>
+            <a:effectLst/>
+          </p:spPr>
+          <p:style>
+            <a:lnRef idx="1">
+              <a:schemeClr val="accent3"/>
+            </a:lnRef>
+            <a:fillRef idx="2">
+              <a:schemeClr val="accent3"/>
+            </a:fillRef>
+            <a:effectRef idx="1">
+              <a:schemeClr val="accent3"/>
+            </a:effectRef>
+            <a:fontRef idx="minor">
+              <a:schemeClr val="dk1"/>
+            </a:fontRef>
+          </p:style>
+          <p:txBody>
+            <a:bodyPr rtlCol="0" anchor="ctr"/>
+            <a:lstStyle/>
+            <a:p>
+              <a:pPr algn="ctr"/>
+              <a:endParaRPr lang="en-SG" sz="1400"/>
+            </a:p>
+          </p:txBody>
+        </p:sp>
+        <p:cxnSp>
+          <p:nvCxnSpPr>
+            <p:cNvPr id="71" name="Straight Connector 70"/>
+            <p:cNvCxnSpPr>
+              <a:cxnSpLocks/>
+            </p:cNvCxnSpPr>
+            <p:nvPr/>
+          </p:nvCxnSpPr>
+          <p:spPr>
+            <a:xfrm>
+              <a:off x="8830396" y="1504923"/>
+              <a:ext cx="13303" cy="1408176"/>
+            </a:xfrm>
+            <a:prstGeom prst="line">
+              <a:avLst/>
+            </a:prstGeom>
+            <a:ln w="19050">
+              <a:solidFill>
+                <a:srgbClr val="0070C0"/>
+              </a:solidFill>
+              <a:prstDash val="sysDash"/>
+            </a:ln>
+            <a:effectLst/>
+          </p:spPr>
+          <p:style>
+            <a:lnRef idx="1">
+              <a:schemeClr val="accent1"/>
+            </a:lnRef>
+            <a:fillRef idx="2">
+              <a:schemeClr val="accent1"/>
+            </a:fillRef>
+            <a:effectRef idx="1">
+              <a:schemeClr val="accent1"/>
+            </a:effectRef>
+            <a:fontRef idx="minor">
+              <a:schemeClr val="dk1"/>
+            </a:fontRef>
+          </p:style>
+        </p:cxnSp>
+        <p:sp>
+          <p:nvSpPr>
+            <p:cNvPr id="72" name="TextBox 71"/>
+            <p:cNvSpPr txBox="1"/>
+            <p:nvPr/>
+          </p:nvSpPr>
+          <p:spPr>
+            <a:xfrm>
+              <a:off x="7478217" y="1803929"/>
+              <a:ext cx="1023966" cy="184666"/>
+            </a:xfrm>
+            <a:prstGeom prst="rect">
+              <a:avLst/>
+            </a:prstGeom>
+            <a:noFill/>
+          </p:spPr>
+          <p:txBody>
+            <a:bodyPr wrap="square" lIns="0" tIns="0" rIns="0" bIns="0" rtlCol="0">
+              <a:spAutoFit/>
+            </a:bodyPr>
+            <a:lstStyle>
+              <a:defPPr>
+                <a:defRPr lang="en-US"/>
+              </a:defPPr>
+              <a:lvl1pPr algn="r">
+                <a:defRPr sz="1400">
+                  <a:solidFill>
+                    <a:srgbClr val="0070C0"/>
+                  </a:solidFill>
+                </a:defRPr>
+              </a:lvl1pPr>
+            </a:lstStyle>
+            <a:p>
+              <a:r>
+                <a:rPr lang="en-US" sz="1200" dirty="0" smtClean="0"/>
+                <a:t>setTagcolour()</a:t>
+              </a:r>
+              <a:endParaRPr lang="en-US" sz="1200" dirty="0"/>
+            </a:p>
+          </p:txBody>
+        </p:sp>
+        <p:cxnSp>
+          <p:nvCxnSpPr>
+            <p:cNvPr id="73" name="Straight Arrow Connector 72"/>
+            <p:cNvCxnSpPr>
+              <a:cxnSpLocks/>
+            </p:cNvCxnSpPr>
+            <p:nvPr/>
+          </p:nvCxnSpPr>
+          <p:spPr>
+            <a:xfrm>
+              <a:off x="7330464" y="2042961"/>
+              <a:ext cx="1458067" cy="4565"/>
+            </a:xfrm>
+            <a:prstGeom prst="straightConnector1">
+              <a:avLst/>
+            </a:prstGeom>
+            <a:ln w="19050">
+              <a:solidFill>
+                <a:srgbClr val="0070C0"/>
+              </a:solidFill>
+              <a:tailEnd type="arrow"/>
+            </a:ln>
+          </p:spPr>
+          <p:style>
+            <a:lnRef idx="1">
+              <a:schemeClr val="accent1"/>
+            </a:lnRef>
+            <a:fillRef idx="0">
+              <a:schemeClr val="accent1"/>
+            </a:fillRef>
+            <a:effectRef idx="0">
+              <a:schemeClr val="accent1"/>
+            </a:effectRef>
+            <a:fontRef idx="minor">
+              <a:schemeClr val="tx1"/>
+            </a:fontRef>
+          </p:style>
+        </p:cxnSp>
+        <p:cxnSp>
+          <p:nvCxnSpPr>
+            <p:cNvPr id="78" name="Straight Arrow Connector 77">
+              <a:extLst>
+                <a:ext uri="{FF2B5EF4-FFF2-40B4-BE49-F238E27FC236}">
+                  <a16:creationId xmlns:a16="http://schemas.microsoft.com/office/drawing/2014/main" xmlns="" id="{854D9FBB-2B36-4DC9-8B58-F7F177A8E586}"/>
+                </a:ext>
+              </a:extLst>
+            </p:cNvPr>
+            <p:cNvCxnSpPr>
+              <a:cxnSpLocks/>
+            </p:cNvCxnSpPr>
+            <p:nvPr/>
+          </p:nvCxnSpPr>
+          <p:spPr>
+            <a:xfrm>
+              <a:off x="5678468" y="2247221"/>
+              <a:ext cx="1560718" cy="9080"/>
+            </a:xfrm>
+            <a:prstGeom prst="straightConnector1">
+              <a:avLst/>
+            </a:prstGeom>
+            <a:ln w="19050">
+              <a:solidFill>
+                <a:srgbClr val="0070C0"/>
+              </a:solidFill>
+              <a:prstDash val="sysDash"/>
+              <a:headEnd type="arrow" w="med" len="med"/>
+              <a:tailEnd type="none" w="med" len="med"/>
+            </a:ln>
+          </p:spPr>
+          <p:style>
+            <a:lnRef idx="1">
+              <a:schemeClr val="accent1"/>
+            </a:lnRef>
+            <a:fillRef idx="0">
+              <a:schemeClr val="accent1"/>
+            </a:fillRef>
+            <a:effectRef idx="0">
+              <a:schemeClr val="accent1"/>
+            </a:effectRef>
+            <a:fontRef idx="minor">
+              <a:schemeClr val="tx1"/>
+            </a:fontRef>
+          </p:style>
+        </p:cxnSp>
+        <p:sp>
+          <p:nvSpPr>
+            <p:cNvPr id="87" name="TextBox 86">
+              <a:extLst>
+                <a:ext uri="{FF2B5EF4-FFF2-40B4-BE49-F238E27FC236}">
+                  <a16:creationId xmlns:a16="http://schemas.microsoft.com/office/drawing/2014/main" xmlns="" id="{ABFA3722-C3DD-4BF5-815F-9CFBE6942C90}"/>
+                </a:ext>
+              </a:extLst>
+            </p:cNvPr>
+            <p:cNvSpPr txBox="1"/>
+            <p:nvPr/>
+          </p:nvSpPr>
+          <p:spPr>
+            <a:xfrm>
+              <a:off x="5859519" y="2037484"/>
+              <a:ext cx="1001458" cy="184666"/>
+            </a:xfrm>
+            <a:prstGeom prst="rect">
+              <a:avLst/>
+            </a:prstGeom>
+            <a:noFill/>
+          </p:spPr>
+          <p:txBody>
+            <a:bodyPr wrap="square" lIns="0" tIns="0" rIns="0" bIns="0" rtlCol="0">
+              <a:spAutoFit/>
+            </a:bodyPr>
+            <a:lstStyle>
+              <a:defPPr>
+                <a:defRPr lang="en-US"/>
+              </a:defPPr>
+              <a:lvl1pPr algn="r">
+                <a:defRPr sz="1400">
+                  <a:solidFill>
+                    <a:srgbClr val="0070C0"/>
+                  </a:solidFill>
+                </a:defRPr>
+              </a:lvl1pPr>
+            </a:lstStyle>
+            <a:p>
+              <a:pPr algn="ctr"/>
+              <a:r>
+                <a:rPr lang="en-US" sz="1200" dirty="0" smtClean="0"/>
+                <a:t>isTagValid()</a:t>
+              </a:r>
+              <a:endParaRPr lang="en-US" sz="1200" dirty="0"/>
+            </a:p>
+          </p:txBody>
+        </p:sp>
+        <p:sp>
+          <p:nvSpPr>
+            <p:cNvPr id="91" name="Rectangle 62"/>
+            <p:cNvSpPr/>
+            <p:nvPr/>
+          </p:nvSpPr>
+          <p:spPr>
+            <a:xfrm>
+              <a:off x="10097060" y="1143765"/>
+              <a:ext cx="590412" cy="477983"/>
+            </a:xfrm>
+            <a:prstGeom prst="rect">
+              <a:avLst/>
+            </a:prstGeom>
+            <a:solidFill>
+              <a:srgbClr val="0070C0"/>
+            </a:solidFill>
+            <a:ln w="19050">
+              <a:solidFill>
+                <a:srgbClr val="0070C0"/>
+              </a:solidFill>
+            </a:ln>
+            <a:effectLst/>
+          </p:spPr>
+          <p:style>
+            <a:lnRef idx="1">
+              <a:schemeClr val="accent2"/>
+            </a:lnRef>
+            <a:fillRef idx="2">
+              <a:schemeClr val="accent2"/>
+            </a:fillRef>
+            <a:effectRef idx="1">
+              <a:schemeClr val="accent2"/>
+            </a:effectRef>
+            <a:fontRef idx="minor">
+              <a:schemeClr val="dk1"/>
+            </a:fontRef>
+          </p:style>
+          <p:txBody>
+            <a:bodyPr rtlCol="0" anchor="ctr"/>
+            <a:lstStyle/>
+            <a:p>
+              <a:pPr algn="ctr"/>
+              <a:r>
+                <a:rPr lang="en-US" sz="1600" dirty="0" smtClean="0">
+                  <a:solidFill>
+                    <a:schemeClr val="bg1"/>
+                  </a:solidFill>
+                </a:rPr>
+                <a:t>:Tag</a:t>
+              </a:r>
+            </a:p>
+          </p:txBody>
+        </p:sp>
+        <p:sp>
+          <p:nvSpPr>
+            <p:cNvPr id="92" name="Rectangle 91"/>
+            <p:cNvSpPr/>
+            <p:nvPr/>
+          </p:nvSpPr>
+          <p:spPr>
+            <a:xfrm>
+              <a:off x="10296388" y="1838751"/>
+              <a:ext cx="181672" cy="634455"/>
+            </a:xfrm>
+            <a:prstGeom prst="rect">
+              <a:avLst/>
+            </a:prstGeom>
+            <a:solidFill>
+              <a:srgbClr val="0070C0"/>
+            </a:solidFill>
+            <a:ln>
+              <a:solidFill>
+                <a:srgbClr val="0070C0"/>
+              </a:solidFill>
+            </a:ln>
+            <a:effectLst/>
+          </p:spPr>
+          <p:style>
+            <a:lnRef idx="1">
+              <a:schemeClr val="accent3"/>
+            </a:lnRef>
+            <a:fillRef idx="2">
+              <a:schemeClr val="accent3"/>
+            </a:fillRef>
+            <a:effectRef idx="1">
+              <a:schemeClr val="accent3"/>
+            </a:effectRef>
+            <a:fontRef idx="minor">
+              <a:schemeClr val="dk1"/>
+            </a:fontRef>
+          </p:style>
+          <p:txBody>
+            <a:bodyPr rtlCol="0" anchor="ctr"/>
+            <a:lstStyle/>
+            <a:p>
+              <a:pPr algn="ctr"/>
+              <a:endParaRPr lang="en-SG" sz="1400"/>
+            </a:p>
+          </p:txBody>
+        </p:sp>
+        <p:cxnSp>
+          <p:nvCxnSpPr>
+            <p:cNvPr id="94" name="Straight Connector 93"/>
+            <p:cNvCxnSpPr>
+              <a:cxnSpLocks/>
+            </p:cNvCxnSpPr>
+            <p:nvPr/>
+          </p:nvCxnSpPr>
+          <p:spPr>
+            <a:xfrm>
+              <a:off x="10388557" y="1563477"/>
+              <a:ext cx="13303" cy="1408176"/>
+            </a:xfrm>
+            <a:prstGeom prst="line">
+              <a:avLst/>
+            </a:prstGeom>
+            <a:ln w="19050">
+              <a:solidFill>
+                <a:srgbClr val="0070C0"/>
+              </a:solidFill>
+              <a:prstDash val="sysDash"/>
+            </a:ln>
+            <a:effectLst/>
+          </p:spPr>
+          <p:style>
+            <a:lnRef idx="1">
+              <a:schemeClr val="accent1"/>
+            </a:lnRef>
+            <a:fillRef idx="2">
+              <a:schemeClr val="accent1"/>
+            </a:fillRef>
+            <a:effectRef idx="1">
+              <a:schemeClr val="accent1"/>
+            </a:effectRef>
+            <a:fontRef idx="minor">
+              <a:schemeClr val="dk1"/>
+            </a:fontRef>
+          </p:style>
+        </p:cxnSp>
+        <p:sp>
+          <p:nvSpPr>
+            <p:cNvPr id="95" name="TextBox 94"/>
+            <p:cNvSpPr txBox="1"/>
+            <p:nvPr/>
+          </p:nvSpPr>
+          <p:spPr>
+            <a:xfrm>
+              <a:off x="8910758" y="1858183"/>
+              <a:ext cx="1258749" cy="184666"/>
+            </a:xfrm>
+            <a:prstGeom prst="rect">
+              <a:avLst/>
+            </a:prstGeom>
+            <a:noFill/>
+          </p:spPr>
+          <p:txBody>
+            <a:bodyPr wrap="square" lIns="0" tIns="0" rIns="0" bIns="0" rtlCol="0">
+              <a:spAutoFit/>
+            </a:bodyPr>
+            <a:lstStyle>
+              <a:defPPr>
+                <a:defRPr lang="en-US"/>
+              </a:defPPr>
+              <a:lvl1pPr algn="r">
+                <a:defRPr sz="1400">
+                  <a:solidFill>
+                    <a:srgbClr val="0070C0"/>
+                  </a:solidFill>
+                </a:defRPr>
+              </a:lvl1pPr>
+            </a:lstStyle>
+            <a:p>
+              <a:r>
+                <a:rPr lang="en-US" sz="1200" smtClean="0"/>
+                <a:t>change</a:t>
+              </a:r>
+              <a:r>
+                <a:rPr lang="en-US" sz="1200" smtClean="0"/>
+                <a:t>Tagcolour</a:t>
+              </a:r>
+              <a:r>
+                <a:rPr lang="en-US" sz="1200" dirty="0" smtClean="0"/>
+                <a:t>()</a:t>
+              </a:r>
+              <a:endParaRPr lang="en-US" sz="1200" dirty="0"/>
+            </a:p>
+          </p:txBody>
+        </p:sp>
+        <p:cxnSp>
+          <p:nvCxnSpPr>
+            <p:cNvPr id="96" name="Straight Arrow Connector 95"/>
+            <p:cNvCxnSpPr>
+              <a:cxnSpLocks/>
+            </p:cNvCxnSpPr>
+            <p:nvPr/>
+          </p:nvCxnSpPr>
+          <p:spPr>
+            <a:xfrm flipV="1">
+              <a:off x="8712320" y="2081688"/>
+              <a:ext cx="1584068" cy="4801"/>
+            </a:xfrm>
+            <a:prstGeom prst="straightConnector1">
+              <a:avLst/>
+            </a:prstGeom>
+            <a:ln w="19050">
+              <a:solidFill>
+                <a:srgbClr val="0070C0"/>
+              </a:solidFill>
+              <a:tailEnd type="arrow"/>
+            </a:ln>
+          </p:spPr>
+          <p:style>
+            <a:lnRef idx="1">
+              <a:schemeClr val="accent1"/>
+            </a:lnRef>
+            <a:fillRef idx="0">
+              <a:schemeClr val="accent1"/>
+            </a:fillRef>
+            <a:effectRef idx="0">
+              <a:schemeClr val="accent1"/>
+            </a:effectRef>
+            <a:fontRef idx="minor">
+              <a:schemeClr val="tx1"/>
+            </a:fontRef>
+          </p:style>
+        </p:cxnSp>
+      </p:grpSp>
+      <p:grpSp>
+        <p:nvGrpSpPr>
+          <p:cNvPr id="142" name="Group 141"/>
+          <p:cNvGrpSpPr/>
+          <p:nvPr/>
+        </p:nvGrpSpPr>
+        <p:grpSpPr>
+          <a:xfrm>
+            <a:off x="3070077" y="4397681"/>
+            <a:ext cx="6429297" cy="1522366"/>
+            <a:chOff x="4080334" y="2982360"/>
+            <a:chExt cx="6429297" cy="1522366"/>
+          </a:xfrm>
+        </p:grpSpPr>
+        <p:sp>
+          <p:nvSpPr>
+            <p:cNvPr id="97" name="Rectangle 65"/>
+            <p:cNvSpPr/>
+            <p:nvPr/>
+          </p:nvSpPr>
+          <p:spPr>
+            <a:xfrm>
+              <a:off x="6178585" y="2999498"/>
+              <a:ext cx="4331046" cy="1477976"/>
+            </a:xfrm>
+            <a:prstGeom prst="roundRect">
+              <a:avLst>
+                <a:gd name="adj" fmla="val 3484"/>
+              </a:avLst>
+            </a:prstGeom>
+            <a:solidFill>
+              <a:schemeClr val="accent2">
+                <a:lumMod val="20000"/>
+                <a:lumOff val="80000"/>
+              </a:schemeClr>
+            </a:solidFill>
+            <a:ln w="19050">
+              <a:noFill/>
+            </a:ln>
+            <a:effectLst/>
+          </p:spPr>
+          <p:style>
+            <a:lnRef idx="1">
+              <a:schemeClr val="accent2"/>
+            </a:lnRef>
+            <a:fillRef idx="2">
+              <a:schemeClr val="accent2"/>
+            </a:fillRef>
+            <a:effectRef idx="1">
+              <a:schemeClr val="accent2"/>
+            </a:effectRef>
+            <a:fontRef idx="minor">
+              <a:schemeClr val="dk1"/>
+            </a:fontRef>
+          </p:style>
+          <p:txBody>
+            <a:bodyPr rtlCol="0" anchor="t"/>
+            <a:lstStyle/>
+            <a:p>
+              <a:r>
+                <a:rPr lang="en-US" sz="1200" b="1" dirty="0" smtClean="0">
+                  <a:solidFill>
+                    <a:srgbClr val="0070C0"/>
+                  </a:solidFill>
+                </a:rPr>
+                <a:t>UI</a:t>
+              </a:r>
+            </a:p>
+            <a:p>
+              <a:endParaRPr lang="en-SG" sz="1200" b="1" dirty="0">
+                <a:solidFill>
+                  <a:srgbClr val="0070C0"/>
+                </a:solidFill>
+              </a:endParaRPr>
+            </a:p>
+          </p:txBody>
+        </p:sp>
+        <p:sp>
+          <p:nvSpPr>
+            <p:cNvPr id="99" name="Rectangle 62"/>
+            <p:cNvSpPr/>
+            <p:nvPr/>
+          </p:nvSpPr>
+          <p:spPr>
+            <a:xfrm>
+              <a:off x="8390256" y="3101280"/>
+              <a:ext cx="1254954" cy="264563"/>
+            </a:xfrm>
+            <a:prstGeom prst="rect">
+              <a:avLst/>
+            </a:prstGeom>
+            <a:solidFill>
+              <a:srgbClr val="0070C0"/>
+            </a:solidFill>
+            <a:ln w="19050">
+              <a:solidFill>
+                <a:srgbClr val="0070C0"/>
+              </a:solidFill>
+            </a:ln>
+            <a:effectLst/>
+          </p:spPr>
+          <p:style>
+            <a:lnRef idx="1">
+              <a:schemeClr val="accent2"/>
+            </a:lnRef>
+            <a:fillRef idx="2">
+              <a:schemeClr val="accent2"/>
+            </a:fillRef>
+            <a:effectRef idx="1">
+              <a:schemeClr val="accent2"/>
+            </a:effectRef>
+            <a:fontRef idx="minor">
+              <a:schemeClr val="dk1"/>
+            </a:fontRef>
+          </p:style>
+          <p:txBody>
+            <a:bodyPr rtlCol="0" anchor="ctr"/>
+            <a:lstStyle/>
+            <a:p>
+              <a:pPr algn="ctr"/>
+              <a:r>
+                <a:rPr lang="en-US" sz="1600" dirty="0" smtClean="0">
+                  <a:solidFill>
+                    <a:schemeClr val="bg1"/>
+                  </a:solidFill>
+                </a:rPr>
+                <a:t>:PersonCard</a:t>
+              </a:r>
+              <a:endParaRPr lang="en-SG" sz="1600" dirty="0">
+                <a:solidFill>
+                  <a:schemeClr val="bg1"/>
+                </a:solidFill>
+              </a:endParaRPr>
+            </a:p>
+          </p:txBody>
+        </p:sp>
+        <p:cxnSp>
+          <p:nvCxnSpPr>
+            <p:cNvPr id="100" name="Straight Connector 99"/>
+            <p:cNvCxnSpPr>
+              <a:cxnSpLocks/>
+            </p:cNvCxnSpPr>
+            <p:nvPr/>
+          </p:nvCxnSpPr>
+          <p:spPr>
+            <a:xfrm>
+              <a:off x="9003707" y="3296918"/>
+              <a:ext cx="14026" cy="1092098"/>
+            </a:xfrm>
+            <a:prstGeom prst="line">
+              <a:avLst/>
+            </a:prstGeom>
+            <a:ln w="19050">
+              <a:solidFill>
+                <a:srgbClr val="0070C0"/>
+              </a:solidFill>
+              <a:prstDash val="sysDash"/>
+            </a:ln>
+            <a:effectLst/>
+          </p:spPr>
+          <p:style>
+            <a:lnRef idx="1">
+              <a:schemeClr val="accent1"/>
+            </a:lnRef>
+            <a:fillRef idx="2">
+              <a:schemeClr val="accent1"/>
+            </a:fillRef>
+            <a:effectRef idx="1">
+              <a:schemeClr val="accent1"/>
+            </a:effectRef>
+            <a:fontRef idx="minor">
+              <a:schemeClr val="dk1"/>
+            </a:fontRef>
+          </p:style>
+        </p:cxnSp>
+        <p:sp>
+          <p:nvSpPr>
+            <p:cNvPr id="102" name="Rectangle 101"/>
+            <p:cNvSpPr/>
+            <p:nvPr/>
+          </p:nvSpPr>
+          <p:spPr>
+            <a:xfrm>
+              <a:off x="8914717" y="3466313"/>
+              <a:ext cx="206032" cy="634455"/>
+            </a:xfrm>
+            <a:prstGeom prst="rect">
+              <a:avLst/>
+            </a:prstGeom>
+            <a:solidFill>
+              <a:srgbClr val="0070C0"/>
+            </a:solidFill>
+            <a:ln>
+              <a:solidFill>
+                <a:srgbClr val="0070C0"/>
+              </a:solidFill>
+            </a:ln>
+            <a:effectLst/>
+          </p:spPr>
+          <p:style>
+            <a:lnRef idx="1">
+              <a:schemeClr val="accent3"/>
+            </a:lnRef>
+            <a:fillRef idx="2">
+              <a:schemeClr val="accent3"/>
+            </a:fillRef>
+            <a:effectRef idx="1">
+              <a:schemeClr val="accent3"/>
+            </a:effectRef>
+            <a:fontRef idx="minor">
+              <a:schemeClr val="dk1"/>
+            </a:fontRef>
+          </p:style>
+          <p:txBody>
+            <a:bodyPr rtlCol="0" anchor="ctr"/>
+            <a:lstStyle/>
+            <a:p>
+              <a:pPr algn="ctr"/>
+              <a:endParaRPr lang="en-SG" sz="1400"/>
+            </a:p>
+          </p:txBody>
+        </p:sp>
+        <p:sp>
+          <p:nvSpPr>
+            <p:cNvPr id="103" name="Rectangle 62"/>
+            <p:cNvSpPr/>
+            <p:nvPr/>
+          </p:nvSpPr>
+          <p:spPr>
+            <a:xfrm>
+              <a:off x="6765882" y="2982360"/>
+              <a:ext cx="1300155" cy="443758"/>
+            </a:xfrm>
+            <a:prstGeom prst="rect">
+              <a:avLst/>
+            </a:prstGeom>
+            <a:solidFill>
+              <a:srgbClr val="0070C0"/>
+            </a:solidFill>
+            <a:ln w="19050">
+              <a:solidFill>
+                <a:srgbClr val="0070C0"/>
+              </a:solidFill>
+            </a:ln>
+            <a:effectLst/>
+          </p:spPr>
+          <p:style>
+            <a:lnRef idx="1">
+              <a:schemeClr val="accent2"/>
+            </a:lnRef>
+            <a:fillRef idx="2">
+              <a:schemeClr val="accent2"/>
+            </a:fillRef>
+            <a:effectRef idx="1">
+              <a:schemeClr val="accent2"/>
+            </a:effectRef>
+            <a:fontRef idx="minor">
+              <a:schemeClr val="dk1"/>
+            </a:fontRef>
+          </p:style>
+          <p:txBody>
+            <a:bodyPr rtlCol="0" anchor="ctr"/>
+            <a:lstStyle/>
+            <a:p>
+              <a:pPr algn="ctr"/>
+              <a:r>
+                <a:rPr lang="en-SG" sz="1600" dirty="0" smtClean="0">
+                  <a:solidFill>
+                    <a:schemeClr val="bg1"/>
+                  </a:solidFill>
+                </a:rPr>
+                <a:t>:ChangeTag</a:t>
+              </a:r>
+            </a:p>
+            <a:p>
+              <a:pPr algn="ctr"/>
+              <a:r>
+                <a:rPr lang="en-SG" sz="1600" dirty="0" smtClean="0">
+                  <a:solidFill>
+                    <a:schemeClr val="bg1"/>
+                  </a:solidFill>
+                </a:rPr>
+                <a:t>ColourEvent</a:t>
+              </a:r>
+              <a:endParaRPr lang="en-SG" sz="1600" dirty="0">
+                <a:solidFill>
+                  <a:schemeClr val="bg1"/>
+                </a:solidFill>
+              </a:endParaRPr>
+            </a:p>
+          </p:txBody>
+        </p:sp>
+        <p:cxnSp>
+          <p:nvCxnSpPr>
+            <p:cNvPr id="104" name="Straight Connector 103"/>
+            <p:cNvCxnSpPr>
+              <a:cxnSpLocks/>
+            </p:cNvCxnSpPr>
+            <p:nvPr/>
+          </p:nvCxnSpPr>
+          <p:spPr>
+            <a:xfrm>
+              <a:off x="7426612" y="3412628"/>
+              <a:ext cx="14026" cy="1092098"/>
+            </a:xfrm>
+            <a:prstGeom prst="line">
+              <a:avLst/>
+            </a:prstGeom>
+            <a:ln w="19050">
+              <a:solidFill>
+                <a:srgbClr val="0070C0"/>
+              </a:solidFill>
+              <a:prstDash val="sysDash"/>
+            </a:ln>
+            <a:effectLst/>
+          </p:spPr>
+          <p:style>
+            <a:lnRef idx="1">
+              <a:schemeClr val="accent1"/>
+            </a:lnRef>
+            <a:fillRef idx="2">
+              <a:schemeClr val="accent1"/>
+            </a:fillRef>
+            <a:effectRef idx="1">
+              <a:schemeClr val="accent1"/>
+            </a:effectRef>
+            <a:fontRef idx="minor">
+              <a:schemeClr val="dk1"/>
+            </a:fontRef>
+          </p:style>
+        </p:cxnSp>
+        <p:sp>
+          <p:nvSpPr>
+            <p:cNvPr id="105" name="Rectangle 104"/>
+            <p:cNvSpPr/>
+            <p:nvPr/>
+          </p:nvSpPr>
+          <p:spPr>
+            <a:xfrm>
+              <a:off x="7319803" y="3432665"/>
+              <a:ext cx="206032" cy="634455"/>
+            </a:xfrm>
+            <a:prstGeom prst="rect">
+              <a:avLst/>
+            </a:prstGeom>
+            <a:solidFill>
+              <a:srgbClr val="0070C0"/>
+            </a:solidFill>
+            <a:ln>
+              <a:solidFill>
+                <a:srgbClr val="0070C0"/>
+              </a:solidFill>
+            </a:ln>
+            <a:effectLst/>
+          </p:spPr>
+          <p:style>
+            <a:lnRef idx="1">
+              <a:schemeClr val="accent3"/>
+            </a:lnRef>
+            <a:fillRef idx="2">
+              <a:schemeClr val="accent3"/>
+            </a:fillRef>
+            <a:effectRef idx="1">
+              <a:schemeClr val="accent3"/>
+            </a:effectRef>
+            <a:fontRef idx="minor">
+              <a:schemeClr val="dk1"/>
+            </a:fontRef>
+          </p:style>
+          <p:txBody>
+            <a:bodyPr rtlCol="0" anchor="ctr"/>
+            <a:lstStyle/>
+            <a:p>
+              <a:pPr algn="ctr"/>
+              <a:endParaRPr lang="en-SG" sz="1400"/>
+            </a:p>
+          </p:txBody>
+        </p:sp>
+        <p:sp>
+          <p:nvSpPr>
+            <p:cNvPr id="107" name="TextBox 106"/>
+            <p:cNvSpPr txBox="1"/>
+            <p:nvPr/>
+          </p:nvSpPr>
+          <p:spPr>
+            <a:xfrm>
+              <a:off x="7727149" y="3516868"/>
+              <a:ext cx="1030023" cy="369332"/>
+            </a:xfrm>
+            <a:prstGeom prst="rect">
+              <a:avLst/>
+            </a:prstGeom>
+            <a:noFill/>
+          </p:spPr>
+          <p:txBody>
+            <a:bodyPr wrap="square" lIns="0" tIns="0" rIns="0" bIns="0" rtlCol="0">
+              <a:spAutoFit/>
+            </a:bodyPr>
+            <a:lstStyle>
+              <a:defPPr>
+                <a:defRPr lang="en-US"/>
+              </a:defPPr>
+              <a:lvl1pPr algn="r">
+                <a:defRPr sz="1400">
+                  <a:solidFill>
+                    <a:srgbClr val="0070C0"/>
+                  </a:solidFill>
+                </a:defRPr>
+              </a:lvl1pPr>
+            </a:lstStyle>
+            <a:p>
+              <a:r>
+                <a:rPr lang="en-US" sz="1200" dirty="0" smtClean="0"/>
+                <a:t>handleColour</a:t>
+              </a:r>
+            </a:p>
+            <a:p>
+              <a:r>
+                <a:rPr lang="en-US" sz="1200" dirty="0" smtClean="0"/>
+                <a:t>ChangeEvent</a:t>
+              </a:r>
+              <a:r>
+                <a:rPr lang="en-US" sz="1200" dirty="0" smtClean="0"/>
+                <a:t>()</a:t>
+              </a:r>
+              <a:endParaRPr lang="en-US" sz="1200" dirty="0"/>
+            </a:p>
+          </p:txBody>
+        </p:sp>
+        <p:cxnSp>
+          <p:nvCxnSpPr>
+            <p:cNvPr id="108" name="Straight Arrow Connector 107"/>
+            <p:cNvCxnSpPr>
+              <a:cxnSpLocks/>
+            </p:cNvCxnSpPr>
+            <p:nvPr/>
+          </p:nvCxnSpPr>
+          <p:spPr>
+            <a:xfrm>
+              <a:off x="7502729" y="3876436"/>
+              <a:ext cx="1422805" cy="9764"/>
+            </a:xfrm>
+            <a:prstGeom prst="straightConnector1">
+              <a:avLst/>
+            </a:prstGeom>
+            <a:ln w="19050">
+              <a:solidFill>
+                <a:srgbClr val="0070C0"/>
+              </a:solidFill>
+              <a:tailEnd type="arrow"/>
+            </a:ln>
+          </p:spPr>
+          <p:style>
+            <a:lnRef idx="1">
+              <a:schemeClr val="accent1"/>
+            </a:lnRef>
+            <a:fillRef idx="0">
+              <a:schemeClr val="accent1"/>
+            </a:fillRef>
+            <a:effectRef idx="0">
+              <a:schemeClr val="accent1"/>
+            </a:effectRef>
+            <a:fontRef idx="minor">
+              <a:schemeClr val="tx1"/>
+            </a:fontRef>
+          </p:style>
+        </p:cxnSp>
+        <p:sp>
+          <p:nvSpPr>
+            <p:cNvPr id="109" name="TextBox 108"/>
+            <p:cNvSpPr txBox="1"/>
+            <p:nvPr/>
+          </p:nvSpPr>
+          <p:spPr>
+            <a:xfrm>
+              <a:off x="4080334" y="3415162"/>
+              <a:ext cx="2058071" cy="184666"/>
+            </a:xfrm>
+            <a:prstGeom prst="rect">
+              <a:avLst/>
+            </a:prstGeom>
+            <a:noFill/>
+          </p:spPr>
+          <p:txBody>
+            <a:bodyPr wrap="square" lIns="0" tIns="0" rIns="0" bIns="0" rtlCol="0">
+              <a:spAutoFit/>
+            </a:bodyPr>
+            <a:lstStyle>
+              <a:defPPr>
+                <a:defRPr lang="en-US"/>
+              </a:defPPr>
+              <a:lvl1pPr algn="r">
+                <a:defRPr sz="1400">
+                  <a:solidFill>
+                    <a:srgbClr val="0070C0"/>
+                  </a:solidFill>
+                </a:defRPr>
+              </a:lvl1pPr>
+            </a:lstStyle>
+            <a:p>
+              <a:r>
+                <a:rPr lang="en-US" sz="1200" dirty="0" smtClean="0"/>
+                <a:t>EventsCentre.post()</a:t>
+              </a:r>
+              <a:endParaRPr lang="en-US" sz="1200" dirty="0"/>
+            </a:p>
+          </p:txBody>
+        </p:sp>
+        <p:cxnSp>
+          <p:nvCxnSpPr>
+            <p:cNvPr id="110" name="Straight Arrow Connector 109"/>
+            <p:cNvCxnSpPr>
+              <a:cxnSpLocks/>
+            </p:cNvCxnSpPr>
+            <p:nvPr/>
+          </p:nvCxnSpPr>
+          <p:spPr>
+            <a:xfrm flipV="1">
+              <a:off x="4099982" y="3648054"/>
+              <a:ext cx="3191822" cy="17926"/>
+            </a:xfrm>
+            <a:prstGeom prst="straightConnector1">
+              <a:avLst/>
+            </a:prstGeom>
+            <a:ln w="19050">
+              <a:solidFill>
+                <a:srgbClr val="0070C0"/>
+              </a:solidFill>
+              <a:tailEnd type="arrow"/>
+            </a:ln>
+          </p:spPr>
+          <p:style>
+            <a:lnRef idx="1">
+              <a:schemeClr val="accent1"/>
+            </a:lnRef>
+            <a:fillRef idx="0">
+              <a:schemeClr val="accent1"/>
+            </a:fillRef>
+            <a:effectRef idx="0">
+              <a:schemeClr val="accent1"/>
+            </a:effectRef>
+            <a:fontRef idx="minor">
+              <a:schemeClr val="tx1"/>
+            </a:fontRef>
+          </p:style>
+        </p:cxnSp>
+      </p:grpSp>
+      <p:sp>
+        <p:nvSpPr>
+          <p:cNvPr id="153" name="Rectangle 152"/>
           <p:cNvSpPr/>
           <p:nvPr/>
         </p:nvSpPr>
         <p:spPr>
           <a:xfrm>
-            <a:off x="4316649" y="2794019"/>
-            <a:ext cx="188576" cy="1242444"/>
+            <a:off x="4475098" y="3150262"/>
+            <a:ext cx="156687" cy="807536"/>
           </a:xfrm>
           <a:prstGeom prst="rect">
             <a:avLst/>
@@ -5024,290 +6186,6 @@
           <a:p>
             <a:pPr algn="ctr"/>
             <a:endParaRPr lang="en-SG" sz="1400"/>
-          </a:p>
-        </p:txBody>
-      </p:sp>
-      <p:sp>
-        <p:nvSpPr>
-          <p:cNvPr id="43" name="Rectangle 62"/>
-          <p:cNvSpPr/>
-          <p:nvPr/>
-        </p:nvSpPr>
-        <p:spPr>
-          <a:xfrm>
-            <a:off x="3755410" y="2450657"/>
-            <a:ext cx="1363412" cy="467684"/>
-          </a:xfrm>
-          <a:prstGeom prst="rect">
-            <a:avLst/>
-          </a:prstGeom>
-          <a:solidFill>
-            <a:srgbClr val="0070C0"/>
-          </a:solidFill>
-          <a:ln w="19050">
-            <a:solidFill>
-              <a:srgbClr val="0070C0"/>
-            </a:solidFill>
-          </a:ln>
-          <a:effectLst/>
-        </p:spPr>
-        <p:style>
-          <a:lnRef idx="1">
-            <a:schemeClr val="accent2"/>
-          </a:lnRef>
-          <a:fillRef idx="2">
-            <a:schemeClr val="accent2"/>
-          </a:fillRef>
-          <a:effectRef idx="1">
-            <a:schemeClr val="accent2"/>
-          </a:effectRef>
-          <a:fontRef idx="minor">
-            <a:schemeClr val="dk1"/>
-          </a:fontRef>
-        </p:style>
-        <p:txBody>
-          <a:bodyPr rtlCol="0" anchor="ctr"/>
-          <a:lstStyle/>
-          <a:p>
-            <a:pPr algn="ctr"/>
-            <a:r>
-              <a:rPr lang="en-SG" sz="1600" dirty="0" smtClean="0">
-                <a:solidFill>
-                  <a:schemeClr val="bg1"/>
-                </a:solidFill>
-              </a:rPr>
-              <a:t>:</a:t>
-            </a:r>
-            <a:r>
-              <a:rPr lang="en-SG" sz="1600" dirty="0" err="1" smtClean="0">
-                <a:solidFill>
-                  <a:schemeClr val="bg1"/>
-                </a:solidFill>
-              </a:rPr>
-              <a:t>ParserUtil</a:t>
-            </a:r>
-            <a:endParaRPr lang="en-SG" sz="1600" dirty="0">
-              <a:solidFill>
-                <a:schemeClr val="bg1"/>
-              </a:solidFill>
-            </a:endParaRPr>
-          </a:p>
-        </p:txBody>
-      </p:sp>
-      <p:sp>
-        <p:nvSpPr>
-          <p:cNvPr id="52" name="TextBox 51"/>
-          <p:cNvSpPr txBox="1"/>
-          <p:nvPr/>
-        </p:nvSpPr>
-        <p:spPr>
-          <a:xfrm>
-            <a:off x="2065826" y="3189196"/>
-            <a:ext cx="1296663" cy="215444"/>
-          </a:xfrm>
-          <a:prstGeom prst="rect">
-            <a:avLst/>
-          </a:prstGeom>
-          <a:noFill/>
-        </p:spPr>
-        <p:txBody>
-          <a:bodyPr wrap="square" lIns="0" tIns="0" rIns="0" bIns="0" rtlCol="0">
-            <a:spAutoFit/>
-          </a:bodyPr>
-          <a:lstStyle>
-            <a:defPPr>
-              <a:defRPr lang="en-US"/>
-            </a:defPPr>
-            <a:lvl1pPr algn="r">
-              <a:defRPr sz="1400">
-                <a:solidFill>
-                  <a:srgbClr val="0070C0"/>
-                </a:solidFill>
-              </a:defRPr>
-            </a:lvl1pPr>
-          </a:lstStyle>
-          <a:p>
-            <a:r>
-              <a:rPr lang="en-US" dirty="0" err="1" smtClean="0"/>
-              <a:t>parseTagColour</a:t>
-            </a:r>
-            <a:r>
-              <a:rPr lang="en-US" dirty="0" smtClean="0"/>
-              <a:t>()</a:t>
-            </a:r>
-            <a:endParaRPr lang="en-US" dirty="0"/>
-          </a:p>
-        </p:txBody>
-      </p:sp>
-      <p:cxnSp>
-        <p:nvCxnSpPr>
-          <p:cNvPr id="53" name="Straight Arrow Connector 52">
-            <a:extLst>
-              <a:ext uri="{FF2B5EF4-FFF2-40B4-BE49-F238E27FC236}">
-                <a16:creationId xmlns:a16="http://schemas.microsoft.com/office/drawing/2014/main" xmlns="" id="{39916E2E-195A-4DC8-B025-B05FA87E6796}"/>
-              </a:ext>
-            </a:extLst>
-          </p:cNvPr>
-          <p:cNvCxnSpPr>
-            <a:cxnSpLocks/>
-          </p:cNvCxnSpPr>
-          <p:nvPr/>
-        </p:nvCxnSpPr>
-        <p:spPr>
-          <a:xfrm flipV="1">
-            <a:off x="1695737" y="3398892"/>
-            <a:ext cx="2647172" cy="14334"/>
-          </a:xfrm>
-          <a:prstGeom prst="straightConnector1">
-            <a:avLst/>
-          </a:prstGeom>
-          <a:ln w="19050">
-            <a:solidFill>
-              <a:srgbClr val="0070C0"/>
-            </a:solidFill>
-            <a:tailEnd type="arrow"/>
-          </a:ln>
-        </p:spPr>
-        <p:style>
-          <a:lnRef idx="1">
-            <a:schemeClr val="accent1"/>
-          </a:lnRef>
-          <a:fillRef idx="0">
-            <a:schemeClr val="accent1"/>
-          </a:fillRef>
-          <a:effectRef idx="0">
-            <a:schemeClr val="accent1"/>
-          </a:effectRef>
-          <a:fontRef idx="minor">
-            <a:schemeClr val="tx1"/>
-          </a:fontRef>
-        </p:style>
-      </p:cxnSp>
-      <p:sp>
-        <p:nvSpPr>
-          <p:cNvPr id="54" name="TextBox 53"/>
-          <p:cNvSpPr txBox="1"/>
-          <p:nvPr/>
-        </p:nvSpPr>
-        <p:spPr>
-          <a:xfrm>
-            <a:off x="2155091" y="3487903"/>
-            <a:ext cx="607682" cy="215444"/>
-          </a:xfrm>
-          <a:prstGeom prst="rect">
-            <a:avLst/>
-          </a:prstGeom>
-          <a:noFill/>
-        </p:spPr>
-        <p:txBody>
-          <a:bodyPr wrap="square" lIns="0" tIns="0" rIns="0" bIns="0" rtlCol="0">
-            <a:spAutoFit/>
-          </a:bodyPr>
-          <a:lstStyle>
-            <a:defPPr>
-              <a:defRPr lang="en-US"/>
-            </a:defPPr>
-            <a:lvl1pPr algn="r">
-              <a:defRPr sz="1400">
-                <a:solidFill>
-                  <a:srgbClr val="0070C0"/>
-                </a:solidFill>
-              </a:defRPr>
-            </a:lvl1pPr>
-          </a:lstStyle>
-          <a:p>
-            <a:r>
-              <a:rPr lang="en-US" dirty="0" smtClean="0"/>
-              <a:t>Tag tag</a:t>
-            </a:r>
-            <a:endParaRPr lang="en-US" dirty="0"/>
-          </a:p>
-        </p:txBody>
-      </p:sp>
-      <p:cxnSp>
-        <p:nvCxnSpPr>
-          <p:cNvPr id="55" name="Straight Arrow Connector 54">
-            <a:extLst>
-              <a:ext uri="{FF2B5EF4-FFF2-40B4-BE49-F238E27FC236}">
-                <a16:creationId xmlns:a16="http://schemas.microsoft.com/office/drawing/2014/main" xmlns="" id="{7C9F21BC-13A9-471F-825A-2621FD36355F}"/>
-              </a:ext>
-            </a:extLst>
-          </p:cNvPr>
-          <p:cNvCxnSpPr>
-            <a:cxnSpLocks/>
-          </p:cNvCxnSpPr>
-          <p:nvPr/>
-        </p:nvCxnSpPr>
-        <p:spPr>
-          <a:xfrm>
-            <a:off x="1676400" y="3733799"/>
-            <a:ext cx="2718939" cy="1"/>
-          </a:xfrm>
-          <a:prstGeom prst="straightConnector1">
-            <a:avLst/>
-          </a:prstGeom>
-          <a:ln w="19050">
-            <a:solidFill>
-              <a:srgbClr val="0070C0"/>
-            </a:solidFill>
-            <a:prstDash val="sysDash"/>
-            <a:headEnd type="arrow" w="med" len="med"/>
-            <a:tailEnd type="none" w="med" len="med"/>
-          </a:ln>
-        </p:spPr>
-        <p:style>
-          <a:lnRef idx="1">
-            <a:schemeClr val="accent1"/>
-          </a:lnRef>
-          <a:fillRef idx="0">
-            <a:schemeClr val="accent1"/>
-          </a:fillRef>
-          <a:effectRef idx="0">
-            <a:schemeClr val="accent1"/>
-          </a:effectRef>
-          <a:fontRef idx="minor">
-            <a:schemeClr val="tx1"/>
-          </a:fontRef>
-        </p:style>
-      </p:cxnSp>
-      <p:sp>
-        <p:nvSpPr>
-          <p:cNvPr id="56" name="TextBox 55"/>
-          <p:cNvSpPr txBox="1"/>
-          <p:nvPr/>
-        </p:nvSpPr>
-        <p:spPr>
-          <a:xfrm>
-            <a:off x="4158788" y="1285837"/>
-            <a:ext cx="767033" cy="184666"/>
-          </a:xfrm>
-          <a:prstGeom prst="rect">
-            <a:avLst/>
-          </a:prstGeom>
-          <a:noFill/>
-        </p:spPr>
-        <p:txBody>
-          <a:bodyPr wrap="square" lIns="0" tIns="0" rIns="0" bIns="0" rtlCol="0">
-            <a:spAutoFit/>
-          </a:bodyPr>
-          <a:lstStyle>
-            <a:defPPr>
-              <a:defRPr lang="en-US"/>
-            </a:defPPr>
-            <a:lvl1pPr algn="r">
-              <a:defRPr sz="1400">
-                <a:solidFill>
-                  <a:srgbClr val="0070C0"/>
-                </a:solidFill>
-              </a:defRPr>
-            </a:lvl1pPr>
-          </a:lstStyle>
-          <a:p>
-            <a:r>
-              <a:rPr lang="en-US" sz="1200" dirty="0" smtClean="0"/>
-              <a:t>Execute()</a:t>
-            </a:r>
-            <a:endParaRPr lang="en-US" sz="1200" dirty="0"/>
           </a:p>
         </p:txBody>
       </p:sp>

--- a/docs/diagrams/SetTagCommandSequence.pptx
+++ b/docs/diagrams/SetTagCommandSequence.pptx
@@ -208,7 +208,7 @@
           <a:p>
             <a:fld id="{F5CC4B3F-88C1-4FFA-B1B6-F41C21DC6924}" type="datetimeFigureOut">
               <a:rPr lang="en-US" smtClean="0"/>
-              <a:t>4/10/18</a:t>
+              <a:t>4/15/18</a:t>
             </a:fld>
             <a:endParaRPr lang="en-US"/>
           </a:p>
@@ -654,7 +654,7 @@
           <a:p>
             <a:fld id="{78C97017-6FC3-485B-9764-EAC9E56C1D49}" type="datetimeFigureOut">
               <a:rPr lang="en-US" smtClean="0"/>
-              <a:t>4/10/18</a:t>
+              <a:t>4/15/18</a:t>
             </a:fld>
             <a:endParaRPr lang="en-US"/>
           </a:p>
@@ -822,7 +822,7 @@
           <a:p>
             <a:fld id="{78C97017-6FC3-485B-9764-EAC9E56C1D49}" type="datetimeFigureOut">
               <a:rPr lang="en-US" smtClean="0"/>
-              <a:t>4/10/18</a:t>
+              <a:t>4/15/18</a:t>
             </a:fld>
             <a:endParaRPr lang="en-US"/>
           </a:p>
@@ -1000,7 +1000,7 @@
           <a:p>
             <a:fld id="{78C97017-6FC3-485B-9764-EAC9E56C1D49}" type="datetimeFigureOut">
               <a:rPr lang="en-US" smtClean="0"/>
-              <a:t>4/10/18</a:t>
+              <a:t>4/15/18</a:t>
             </a:fld>
             <a:endParaRPr lang="en-US"/>
           </a:p>
@@ -1168,7 +1168,7 @@
           <a:p>
             <a:fld id="{78C97017-6FC3-485B-9764-EAC9E56C1D49}" type="datetimeFigureOut">
               <a:rPr lang="en-US" smtClean="0"/>
-              <a:t>4/10/18</a:t>
+              <a:t>4/15/18</a:t>
             </a:fld>
             <a:endParaRPr lang="en-US"/>
           </a:p>
@@ -1413,7 +1413,7 @@
           <a:p>
             <a:fld id="{78C97017-6FC3-485B-9764-EAC9E56C1D49}" type="datetimeFigureOut">
               <a:rPr lang="en-US" smtClean="0"/>
-              <a:t>4/10/18</a:t>
+              <a:t>4/15/18</a:t>
             </a:fld>
             <a:endParaRPr lang="en-US"/>
           </a:p>
@@ -1698,7 +1698,7 @@
           <a:p>
             <a:fld id="{78C97017-6FC3-485B-9764-EAC9E56C1D49}" type="datetimeFigureOut">
               <a:rPr lang="en-US" smtClean="0"/>
-              <a:t>4/10/18</a:t>
+              <a:t>4/15/18</a:t>
             </a:fld>
             <a:endParaRPr lang="en-US"/>
           </a:p>
@@ -2117,7 +2117,7 @@
           <a:p>
             <a:fld id="{78C97017-6FC3-485B-9764-EAC9E56C1D49}" type="datetimeFigureOut">
               <a:rPr lang="en-US" smtClean="0"/>
-              <a:t>4/10/18</a:t>
+              <a:t>4/15/18</a:t>
             </a:fld>
             <a:endParaRPr lang="en-US"/>
           </a:p>
@@ -2234,7 +2234,7 @@
           <a:p>
             <a:fld id="{78C97017-6FC3-485B-9764-EAC9E56C1D49}" type="datetimeFigureOut">
               <a:rPr lang="en-US" smtClean="0"/>
-              <a:t>4/10/18</a:t>
+              <a:t>4/15/18</a:t>
             </a:fld>
             <a:endParaRPr lang="en-US"/>
           </a:p>
@@ -2329,7 +2329,7 @@
           <a:p>
             <a:fld id="{78C97017-6FC3-485B-9764-EAC9E56C1D49}" type="datetimeFigureOut">
               <a:rPr lang="en-US" smtClean="0"/>
-              <a:t>4/10/18</a:t>
+              <a:t>4/15/18</a:t>
             </a:fld>
             <a:endParaRPr lang="en-US"/>
           </a:p>
@@ -2604,7 +2604,7 @@
           <a:p>
             <a:fld id="{78C97017-6FC3-485B-9764-EAC9E56C1D49}" type="datetimeFigureOut">
               <a:rPr lang="en-US" smtClean="0"/>
-              <a:t>4/10/18</a:t>
+              <a:t>4/15/18</a:t>
             </a:fld>
             <a:endParaRPr lang="en-US"/>
           </a:p>
@@ -2856,7 +2856,7 @@
           <a:p>
             <a:fld id="{78C97017-6FC3-485B-9764-EAC9E56C1D49}" type="datetimeFigureOut">
               <a:rPr lang="en-US" smtClean="0"/>
-              <a:t>4/10/18</a:t>
+              <a:t>4/15/18</a:t>
             </a:fld>
             <a:endParaRPr lang="en-US"/>
           </a:p>
@@ -3067,7 +3067,7 @@
           <a:p>
             <a:fld id="{78C97017-6FC3-485B-9764-EAC9E56C1D49}" type="datetimeFigureOut">
               <a:rPr lang="en-US" smtClean="0"/>
-              <a:t>4/10/18</a:t>
+              <a:t>4/15/18</a:t>
             </a:fld>
             <a:endParaRPr lang="en-US"/>
           </a:p>
@@ -3450,8 +3450,8 @@
         </p:nvSpPr>
         <p:spPr>
           <a:xfrm>
-            <a:off x="338466" y="390992"/>
-            <a:ext cx="5814274" cy="5119974"/>
+            <a:off x="304800" y="457199"/>
+            <a:ext cx="5814274" cy="5622981"/>
           </a:xfrm>
           <a:prstGeom prst="roundRect">
             <a:avLst>
@@ -3511,8 +3511,8 @@
         </p:nvSpPr>
         <p:spPr>
           <a:xfrm>
-            <a:off x="883145" y="660598"/>
-            <a:ext cx="2061990" cy="204695"/>
+            <a:off x="850420" y="697059"/>
+            <a:ext cx="2061990" cy="224805"/>
           </a:xfrm>
           <a:prstGeom prst="rect">
             <a:avLst/>
@@ -3572,8 +3572,8 @@
         </p:nvCxnSpPr>
         <p:spPr>
           <a:xfrm>
-            <a:off x="1610959" y="907617"/>
-            <a:ext cx="0" cy="3481399"/>
+            <a:off x="1578234" y="944078"/>
+            <a:ext cx="0" cy="3823426"/>
           </a:xfrm>
           <a:prstGeom prst="line">
             <a:avLst/>
@@ -3609,8 +3609,8 @@
         </p:nvSpPr>
         <p:spPr>
           <a:xfrm>
-            <a:off x="1538950" y="1258310"/>
-            <a:ext cx="136895" cy="4252655"/>
+            <a:off x="1506225" y="1294771"/>
+            <a:ext cx="136895" cy="4670453"/>
           </a:xfrm>
           <a:prstGeom prst="rect">
             <a:avLst/>
@@ -3658,8 +3658,8 @@
         </p:nvCxnSpPr>
         <p:spPr>
           <a:xfrm>
-            <a:off x="4578754" y="2958366"/>
-            <a:ext cx="6501" cy="1412792"/>
+            <a:off x="4546029" y="2994827"/>
+            <a:ext cx="9798" cy="1551590"/>
           </a:xfrm>
           <a:prstGeom prst="line">
             <a:avLst/>
@@ -3695,7 +3695,7 @@
         </p:nvCxnSpPr>
         <p:spPr>
           <a:xfrm flipV="1">
-            <a:off x="185109" y="1423962"/>
+            <a:off x="152384" y="1460424"/>
             <a:ext cx="1353842" cy="1639"/>
           </a:xfrm>
           <a:prstGeom prst="straightConnector1">
@@ -3778,7 +3778,7 @@
         </p:nvCxnSpPr>
         <p:spPr>
           <a:xfrm flipV="1">
-            <a:off x="3048000" y="3787547"/>
+            <a:off x="3015275" y="3824009"/>
             <a:ext cx="1416234" cy="11387"/>
           </a:xfrm>
           <a:prstGeom prst="straightConnector1">
@@ -3813,9 +3813,9 @@
           <p:nvPr/>
         </p:nvCxnSpPr>
         <p:spPr>
-          <a:xfrm>
-            <a:off x="337525" y="4191000"/>
-            <a:ext cx="1239525" cy="0"/>
+          <a:xfrm flipV="1">
+            <a:off x="1605487" y="5780242"/>
+            <a:ext cx="1386773" cy="6609"/>
           </a:xfrm>
           <a:prstGeom prst="straightConnector1">
             <a:avLst/>
@@ -3846,55 +3846,14 @@
       </p:cxnSp>
       <p:sp>
         <p:nvSpPr>
-          <p:cNvPr id="83" name="TextBox 82"/>
-          <p:cNvSpPr txBox="1"/>
-          <p:nvPr/>
-        </p:nvSpPr>
-        <p:spPr>
-          <a:xfrm>
-            <a:off x="337525" y="3945901"/>
-            <a:ext cx="1153158" cy="215444"/>
-          </a:xfrm>
-          <a:prstGeom prst="rect">
-            <a:avLst/>
-          </a:prstGeom>
-          <a:noFill/>
-        </p:spPr>
-        <p:txBody>
-          <a:bodyPr wrap="square" lIns="0" tIns="0" rIns="0" bIns="0" rtlCol="0">
-            <a:spAutoFit/>
-          </a:bodyPr>
-          <a:lstStyle>
-            <a:defPPr>
-              <a:defRPr lang="en-US"/>
-            </a:defPPr>
-            <a:lvl1pPr algn="r">
-              <a:defRPr sz="1400">
-                <a:solidFill>
-                  <a:srgbClr val="0070C0"/>
-                </a:solidFill>
-              </a:defRPr>
-            </a:lvl1pPr>
-          </a:lstStyle>
-          <a:p>
-            <a:r>
-              <a:rPr lang="en-US" dirty="0" smtClean="0"/>
-              <a:t>SetCommand</a:t>
-            </a:r>
-            <a:endParaRPr lang="en-US" dirty="0"/>
-          </a:p>
-        </p:txBody>
-      </p:sp>
-      <p:sp>
-        <p:nvSpPr>
           <p:cNvPr id="19" name="Rectangle 62"/>
           <p:cNvSpPr/>
           <p:nvPr/>
         </p:nvSpPr>
         <p:spPr>
           <a:xfrm>
-            <a:off x="4022386" y="2549285"/>
-            <a:ext cx="1108000" cy="461538"/>
+            <a:off x="3989661" y="2585745"/>
+            <a:ext cx="1108000" cy="506881"/>
           </a:xfrm>
           <a:prstGeom prst="rect">
             <a:avLst/>
@@ -3952,8 +3911,8 @@
         </p:nvGrpSpPr>
         <p:grpSpPr>
           <a:xfrm>
-            <a:off x="1603821" y="1056918"/>
-            <a:ext cx="2129979" cy="1492367"/>
+            <a:off x="1571096" y="1093379"/>
+            <a:ext cx="2129979" cy="1638983"/>
             <a:chOff x="1615151" y="2642794"/>
             <a:chExt cx="2129979" cy="1492367"/>
           </a:xfrm>
@@ -4034,11 +3993,7 @@
             <a:p>
               <a:r>
                 <a:rPr lang="en-US" dirty="0" smtClean="0"/>
-                <a:t>String t</a:t>
-              </a:r>
-              <a:r>
-                <a:rPr lang="en-US" dirty="0" smtClean="0"/>
-                <a:t>agColour</a:t>
+                <a:t>String tagColour</a:t>
               </a:r>
               <a:endParaRPr lang="en-US" dirty="0"/>
             </a:p>
@@ -4049,7 +4004,7 @@
             <p:cNvPr id="66" name="Straight Arrow Connector 65">
               <a:extLst>
                 <a:ext uri="{FF2B5EF4-FFF2-40B4-BE49-F238E27FC236}">
-                  <a16:creationId xmlns:a16="http://schemas.microsoft.com/office/drawing/2014/main" xmlns="" id="{39916E2E-195A-4DC8-B025-B05FA87E6796}"/>
+                  <a16:creationId xmlns="" xmlns:a16="http://schemas.microsoft.com/office/drawing/2014/main" id="{39916E2E-195A-4DC8-B025-B05FA87E6796}"/>
                 </a:ext>
               </a:extLst>
             </p:cNvPr>
@@ -4093,7 +4048,7 @@
             <p:cNvPr id="69" name="Straight Arrow Connector 68">
               <a:extLst>
                 <a:ext uri="{FF2B5EF4-FFF2-40B4-BE49-F238E27FC236}">
-                  <a16:creationId xmlns:a16="http://schemas.microsoft.com/office/drawing/2014/main" xmlns="" id="{7C9F21BC-13A9-471F-825A-2621FD36355F}"/>
+                  <a16:creationId xmlns="" xmlns:a16="http://schemas.microsoft.com/office/drawing/2014/main" id="{7C9F21BC-13A9-471F-825A-2621FD36355F}"/>
                 </a:ext>
               </a:extLst>
             </p:cNvPr>
@@ -4286,7 +4241,7 @@
             <p:cNvPr id="53" name="Straight Arrow Connector 52">
               <a:extLst>
                 <a:ext uri="{FF2B5EF4-FFF2-40B4-BE49-F238E27FC236}">
-                  <a16:creationId xmlns:a16="http://schemas.microsoft.com/office/drawing/2014/main" xmlns="" id="{39916E2E-195A-4DC8-B025-B05FA87E6796}"/>
+                  <a16:creationId xmlns="" xmlns:a16="http://schemas.microsoft.com/office/drawing/2014/main" id="{39916E2E-195A-4DC8-B025-B05FA87E6796}"/>
                 </a:ext>
               </a:extLst>
             </p:cNvPr>
@@ -4371,7 +4326,7 @@
             <p:cNvPr id="55" name="Straight Arrow Connector 54">
               <a:extLst>
                 <a:ext uri="{FF2B5EF4-FFF2-40B4-BE49-F238E27FC236}">
-                  <a16:creationId xmlns:a16="http://schemas.microsoft.com/office/drawing/2014/main" xmlns="" id="{7C9F21BC-13A9-471F-825A-2621FD36355F}"/>
+                  <a16:creationId xmlns="" xmlns:a16="http://schemas.microsoft.com/office/drawing/2014/main" id="{7C9F21BC-13A9-471F-825A-2621FD36355F}"/>
                 </a:ext>
               </a:extLst>
             </p:cNvPr>
@@ -4421,7 +4376,7 @@
         </p:nvSpPr>
         <p:spPr>
           <a:xfrm>
-            <a:off x="3148407" y="3572429"/>
+            <a:off x="3115682" y="3608890"/>
             <a:ext cx="767033" cy="184666"/>
           </a:xfrm>
           <a:prstGeom prst="rect">
@@ -4466,10 +4421,10 @@
         </p:nvGrpSpPr>
         <p:grpSpPr>
           <a:xfrm>
-            <a:off x="662627" y="2755048"/>
-            <a:ext cx="3177903" cy="2731352"/>
+            <a:off x="629902" y="2791508"/>
+            <a:ext cx="3892769" cy="2995343"/>
             <a:chOff x="1622697" y="423022"/>
-            <a:chExt cx="3177903" cy="2731352"/>
+            <a:chExt cx="3892769" cy="2727393"/>
           </a:xfrm>
         </p:grpSpPr>
         <p:sp>
@@ -4480,8 +4435,8 @@
           </p:nvSpPr>
           <p:spPr>
             <a:xfrm>
-              <a:off x="3437188" y="423022"/>
-              <a:ext cx="1363412" cy="467684"/>
+              <a:off x="3354995" y="423022"/>
+              <a:ext cx="1528202" cy="467684"/>
             </a:xfrm>
             <a:prstGeom prst="rect">
               <a:avLst/>
@@ -4521,7 +4476,7 @@
                     <a:schemeClr val="bg1"/>
                   </a:solidFill>
                 </a:rPr>
-                <a:t>:SetCommand</a:t>
+                <a:t>s:SetCommand</a:t>
               </a:r>
               <a:endParaRPr lang="en-SG" sz="1600" dirty="0">
                 <a:solidFill>
@@ -4592,7 +4547,7 @@
           </p:nvCxnSpPr>
           <p:spPr>
             <a:xfrm>
-              <a:off x="2631006" y="3143781"/>
+              <a:off x="4082110" y="3017485"/>
               <a:ext cx="1433356" cy="10593"/>
             </a:xfrm>
             <a:prstGeom prst="straightConnector1">
@@ -4672,7 +4627,7 @@
             <p:cNvPr id="67" name="Straight Arrow Connector 66">
               <a:extLst>
                 <a:ext uri="{FF2B5EF4-FFF2-40B4-BE49-F238E27FC236}">
-                  <a16:creationId xmlns:a16="http://schemas.microsoft.com/office/drawing/2014/main" xmlns="" id="{D881596E-177C-4FDC-8E60-CAB90B3D5FAB}"/>
+                  <a16:creationId xmlns="" xmlns:a16="http://schemas.microsoft.com/office/drawing/2014/main" id="{D881596E-177C-4FDC-8E60-CAB90B3D5FAB}"/>
                 </a:ext>
               </a:extLst>
             </p:cNvPr>
@@ -4719,7 +4674,7 @@
           </p:nvSpPr>
           <p:spPr>
             <a:xfrm>
-              <a:off x="2658049" y="2884795"/>
+              <a:off x="4109153" y="2758498"/>
               <a:ext cx="1273822" cy="192024"/>
             </a:xfrm>
             <a:prstGeom prst="rect">
@@ -4761,8 +4716,8 @@
         </p:nvGrpSpPr>
         <p:grpSpPr>
           <a:xfrm>
-            <a:off x="4585255" y="390992"/>
-            <a:ext cx="5020279" cy="4253144"/>
+            <a:off x="4552530" y="427453"/>
+            <a:ext cx="5020279" cy="4670990"/>
             <a:chOff x="5667193" y="-1061440"/>
             <a:chExt cx="5020279" cy="4253144"/>
           </a:xfrm>
@@ -5278,7 +5233,7 @@
             <p:cNvPr id="78" name="Straight Arrow Connector 77">
               <a:extLst>
                 <a:ext uri="{FF2B5EF4-FFF2-40B4-BE49-F238E27FC236}">
-                  <a16:creationId xmlns:a16="http://schemas.microsoft.com/office/drawing/2014/main" xmlns="" id="{854D9FBB-2B36-4DC9-8B58-F7F177A8E586}"/>
+                  <a16:creationId xmlns="" xmlns:a16="http://schemas.microsoft.com/office/drawing/2014/main" id="{854D9FBB-2B36-4DC9-8B58-F7F177A8E586}"/>
                 </a:ext>
               </a:extLst>
             </p:cNvPr>
@@ -5289,7 +5244,7 @@
           </p:nvCxnSpPr>
           <p:spPr>
             <a:xfrm>
-              <a:off x="5678468" y="2247221"/>
+              <a:off x="5678468" y="2356357"/>
               <a:ext cx="1560718" cy="9080"/>
             </a:xfrm>
             <a:prstGeom prst="straightConnector1">
@@ -5324,7 +5279,7 @@
             <p:cNvPr id="87" name="TextBox 86">
               <a:extLst>
                 <a:ext uri="{FF2B5EF4-FFF2-40B4-BE49-F238E27FC236}">
-                  <a16:creationId xmlns:a16="http://schemas.microsoft.com/office/drawing/2014/main" xmlns="" id="{ABFA3722-C3DD-4BF5-815F-9CFBE6942C90}"/>
+                  <a16:creationId xmlns="" xmlns:a16="http://schemas.microsoft.com/office/drawing/2014/main" id="{ABFA3722-C3DD-4BF5-815F-9CFBE6942C90}"/>
                 </a:ext>
               </a:extLst>
             </p:cNvPr>
@@ -5333,7 +5288,7 @@
           </p:nvSpPr>
           <p:spPr>
             <a:xfrm>
-              <a:off x="5859519" y="2037484"/>
+              <a:off x="5859519" y="2111388"/>
               <a:ext cx="1001458" cy="184666"/>
             </a:xfrm>
             <a:prstGeom prst="rect">
@@ -5542,11 +5497,7 @@
             <a:p>
               <a:r>
                 <a:rPr lang="en-US" sz="1200" smtClean="0"/>
-                <a:t>change</a:t>
-              </a:r>
-              <a:r>
-                <a:rPr lang="en-US" sz="1200" smtClean="0"/>
-                <a:t>Tagcolour</a:t>
+                <a:t>changeTagcolour</a:t>
               </a:r>
               <a:r>
                 <a:rPr lang="en-US" sz="1200" dirty="0" smtClean="0"/>
@@ -5603,10 +5554,10 @@
         </p:nvGrpSpPr>
         <p:grpSpPr>
           <a:xfrm>
-            <a:off x="3070077" y="4397681"/>
-            <a:ext cx="6429297" cy="1522366"/>
-            <a:chOff x="4080334" y="2982360"/>
-            <a:chExt cx="6429297" cy="1522366"/>
+            <a:off x="4636415" y="4434141"/>
+            <a:ext cx="4830234" cy="1671929"/>
+            <a:chOff x="5679397" y="2982360"/>
+            <a:chExt cx="4830234" cy="1522366"/>
           </a:xfrm>
         </p:grpSpPr>
         <p:sp>
@@ -5778,7 +5729,7 @@
           </p:nvSpPr>
           <p:spPr>
             <a:xfrm>
-              <a:off x="8914717" y="3466313"/>
+              <a:off x="8914717" y="3385421"/>
               <a:ext cx="206032" cy="634455"/>
             </a:xfrm>
             <a:prstGeom prst="rect">
@@ -5981,7 +5932,7 @@
           </p:nvSpPr>
           <p:spPr>
             <a:xfrm>
-              <a:off x="7727149" y="3516868"/>
+              <a:off x="7754815" y="3431177"/>
               <a:ext cx="1030023" cy="369332"/>
             </a:xfrm>
             <a:prstGeom prst="rect">
@@ -6014,11 +5965,7 @@
             <a:p>
               <a:r>
                 <a:rPr lang="en-US" sz="1200" dirty="0" smtClean="0"/>
-                <a:t>ChangeEvent</a:t>
-              </a:r>
-              <a:r>
-                <a:rPr lang="en-US" sz="1200" dirty="0" smtClean="0"/>
-                <a:t>()</a:t>
+                <a:t>ChangeEvent()</a:t>
               </a:r>
               <a:endParaRPr lang="en-US" sz="1200" dirty="0"/>
             </a:p>
@@ -6034,7 +5981,7 @@
           </p:nvCxnSpPr>
           <p:spPr>
             <a:xfrm>
-              <a:off x="7502729" y="3876436"/>
+              <a:off x="7490470" y="3768929"/>
               <a:ext cx="1422805" cy="9764"/>
             </a:xfrm>
             <a:prstGeom prst="straightConnector1">
@@ -6070,8 +6017,8 @@
           </p:nvSpPr>
           <p:spPr>
             <a:xfrm>
-              <a:off x="4080334" y="3415162"/>
-              <a:ext cx="2058071" cy="184666"/>
+              <a:off x="5787838" y="3426118"/>
+              <a:ext cx="1425726" cy="184666"/>
             </a:xfrm>
             <a:prstGeom prst="rect">
               <a:avLst/>
@@ -6113,8 +6060,8 @@
           </p:nvCxnSpPr>
           <p:spPr>
             <a:xfrm flipV="1">
-              <a:off x="4099982" y="3648054"/>
-              <a:ext cx="3191822" cy="17926"/>
+              <a:off x="5679397" y="3648054"/>
+              <a:ext cx="1612407" cy="8140"/>
             </a:xfrm>
             <a:prstGeom prst="straightConnector1">
               <a:avLst/>
@@ -6150,8 +6097,8 @@
         </p:nvSpPr>
         <p:spPr>
           <a:xfrm>
-            <a:off x="4475098" y="3150262"/>
-            <a:ext cx="156687" cy="807536"/>
+            <a:off x="4442373" y="3186722"/>
+            <a:ext cx="179342" cy="2480475"/>
           </a:xfrm>
           <a:prstGeom prst="rect">
             <a:avLst/>
@@ -6189,6 +6136,348 @@
           </a:p>
         </p:txBody>
       </p:sp>
+      <p:cxnSp>
+        <p:nvCxnSpPr>
+          <p:cNvPr id="65" name="Straight Arrow Connector 64"/>
+          <p:cNvCxnSpPr/>
+          <p:nvPr/>
+        </p:nvCxnSpPr>
+        <p:spPr>
+          <a:xfrm flipV="1">
+            <a:off x="366909" y="5919486"/>
+            <a:ext cx="1386773" cy="6609"/>
+          </a:xfrm>
+          <a:prstGeom prst="straightConnector1">
+            <a:avLst/>
+          </a:prstGeom>
+          <a:ln w="19050">
+            <a:solidFill>
+              <a:schemeClr val="accent1"/>
+            </a:solidFill>
+            <a:prstDash val="sysDash"/>
+            <a:headEnd type="arrow" w="med" len="med"/>
+            <a:tailEnd type="none" w="med" len="med"/>
+          </a:ln>
+        </p:spPr>
+        <p:style>
+          <a:lnRef idx="1">
+            <a:schemeClr val="accent1"/>
+          </a:lnRef>
+          <a:fillRef idx="0">
+            <a:schemeClr val="accent1"/>
+          </a:fillRef>
+          <a:effectRef idx="0">
+            <a:schemeClr val="accent1"/>
+          </a:effectRef>
+          <a:fontRef idx="minor">
+            <a:schemeClr val="tx1"/>
+          </a:fontRef>
+        </p:style>
+      </p:cxnSp>
+      <p:sp>
+        <p:nvSpPr>
+          <p:cNvPr id="74" name="TextBox 73"/>
+          <p:cNvSpPr txBox="1"/>
+          <p:nvPr/>
+        </p:nvSpPr>
+        <p:spPr>
+          <a:xfrm>
+            <a:off x="971222" y="5638800"/>
+            <a:ext cx="429347" cy="215444"/>
+          </a:xfrm>
+          <a:prstGeom prst="rect">
+            <a:avLst/>
+          </a:prstGeom>
+          <a:noFill/>
+        </p:spPr>
+        <p:txBody>
+          <a:bodyPr wrap="square" lIns="0" tIns="0" rIns="0" bIns="0" rtlCol="0">
+            <a:spAutoFit/>
+          </a:bodyPr>
+          <a:lstStyle>
+            <a:defPPr>
+              <a:defRPr lang="en-US"/>
+            </a:defPPr>
+            <a:lvl1pPr algn="r">
+              <a:defRPr sz="1400">
+                <a:solidFill>
+                  <a:srgbClr val="0070C0"/>
+                </a:solidFill>
+              </a:defRPr>
+            </a:lvl1pPr>
+          </a:lstStyle>
+          <a:p>
+            <a:r>
+              <a:rPr lang="en-US" dirty="0" smtClean="0"/>
+              <a:t>s</a:t>
+            </a:r>
+            <a:endParaRPr lang="en-US" dirty="0"/>
+          </a:p>
+        </p:txBody>
+      </p:sp>
+      <p:cxnSp>
+        <p:nvCxnSpPr>
+          <p:cNvPr id="75" name="Straight Arrow Connector 74"/>
+          <p:cNvCxnSpPr/>
+          <p:nvPr/>
+        </p:nvCxnSpPr>
+        <p:spPr>
+          <a:xfrm flipV="1">
+            <a:off x="1605487" y="5780242"/>
+            <a:ext cx="1386773" cy="6609"/>
+          </a:xfrm>
+          <a:prstGeom prst="straightConnector1">
+            <a:avLst/>
+          </a:prstGeom>
+          <a:ln w="19050">
+            <a:solidFill>
+              <a:schemeClr val="accent1"/>
+            </a:solidFill>
+            <a:prstDash val="sysDash"/>
+            <a:headEnd type="arrow" w="med" len="med"/>
+            <a:tailEnd type="none" w="med" len="med"/>
+          </a:ln>
+        </p:spPr>
+        <p:style>
+          <a:lnRef idx="1">
+            <a:schemeClr val="accent1"/>
+          </a:lnRef>
+          <a:fillRef idx="0">
+            <a:schemeClr val="accent1"/>
+          </a:fillRef>
+          <a:effectRef idx="0">
+            <a:schemeClr val="accent1"/>
+          </a:effectRef>
+          <a:fontRef idx="minor">
+            <a:schemeClr val="tx1"/>
+          </a:fontRef>
+        </p:style>
+      </p:cxnSp>
+      <p:sp>
+        <p:nvSpPr>
+          <p:cNvPr id="76" name="TextBox 75"/>
+          <p:cNvSpPr txBox="1"/>
+          <p:nvPr/>
+        </p:nvSpPr>
+        <p:spPr>
+          <a:xfrm>
+            <a:off x="1613617" y="5486913"/>
+            <a:ext cx="1301640" cy="215444"/>
+          </a:xfrm>
+          <a:prstGeom prst="rect">
+            <a:avLst/>
+          </a:prstGeom>
+          <a:noFill/>
+        </p:spPr>
+        <p:txBody>
+          <a:bodyPr wrap="square" lIns="0" tIns="0" rIns="0" bIns="0" rtlCol="0">
+            <a:spAutoFit/>
+          </a:bodyPr>
+          <a:lstStyle>
+            <a:defPPr>
+              <a:defRPr lang="en-US"/>
+            </a:defPPr>
+            <a:lvl1pPr algn="r">
+              <a:defRPr sz="1400">
+                <a:solidFill>
+                  <a:srgbClr val="0070C0"/>
+                </a:solidFill>
+              </a:defRPr>
+            </a:lvl1pPr>
+          </a:lstStyle>
+          <a:p>
+            <a:r>
+              <a:rPr lang="en-US" dirty="0" smtClean="0"/>
+              <a:t>SetCommand()</a:t>
+            </a:r>
+            <a:endParaRPr lang="en-US" dirty="0"/>
+          </a:p>
+        </p:txBody>
+      </p:sp>
+      <p:cxnSp>
+        <p:nvCxnSpPr>
+          <p:cNvPr id="77" name="Straight Arrow Connector 76">
+            <a:extLst>
+              <a:ext uri="{FF2B5EF4-FFF2-40B4-BE49-F238E27FC236}">
+                <a16:creationId xmlns="" xmlns:a16="http://schemas.microsoft.com/office/drawing/2014/main" id="{854D9FBB-2B36-4DC9-8B58-F7F177A8E586}"/>
+              </a:ext>
+            </a:extLst>
+          </p:cNvPr>
+          <p:cNvCxnSpPr>
+            <a:cxnSpLocks/>
+          </p:cNvCxnSpPr>
+          <p:nvPr/>
+        </p:nvCxnSpPr>
+        <p:spPr>
+          <a:xfrm>
+            <a:off x="4635974" y="5624122"/>
+            <a:ext cx="1737003" cy="9972"/>
+          </a:xfrm>
+          <a:prstGeom prst="straightConnector1">
+            <a:avLst/>
+          </a:prstGeom>
+          <a:ln w="19050">
+            <a:solidFill>
+              <a:srgbClr val="0070C0"/>
+            </a:solidFill>
+            <a:prstDash val="sysDash"/>
+            <a:headEnd type="arrow" w="med" len="med"/>
+            <a:tailEnd type="none" w="med" len="med"/>
+          </a:ln>
+        </p:spPr>
+        <p:style>
+          <a:lnRef idx="1">
+            <a:schemeClr val="accent1"/>
+          </a:lnRef>
+          <a:fillRef idx="0">
+            <a:schemeClr val="accent1"/>
+          </a:fillRef>
+          <a:effectRef idx="0">
+            <a:schemeClr val="accent1"/>
+          </a:effectRef>
+          <a:fontRef idx="minor">
+            <a:schemeClr val="tx1"/>
+          </a:fontRef>
+        </p:style>
+      </p:cxnSp>
+      <p:cxnSp>
+        <p:nvCxnSpPr>
+          <p:cNvPr id="83" name="Straight Arrow Connector 82">
+            <a:extLst>
+              <a:ext uri="{FF2B5EF4-FFF2-40B4-BE49-F238E27FC236}">
+                <a16:creationId xmlns="" xmlns:a16="http://schemas.microsoft.com/office/drawing/2014/main" id="{854D9FBB-2B36-4DC9-8B58-F7F177A8E586}"/>
+              </a:ext>
+            </a:extLst>
+          </p:cNvPr>
+          <p:cNvCxnSpPr>
+            <a:cxnSpLocks/>
+          </p:cNvCxnSpPr>
+          <p:nvPr/>
+        </p:nvCxnSpPr>
+        <p:spPr>
+          <a:xfrm>
+            <a:off x="6476657" y="5557348"/>
+            <a:ext cx="1560718" cy="9972"/>
+          </a:xfrm>
+          <a:prstGeom prst="straightConnector1">
+            <a:avLst/>
+          </a:prstGeom>
+          <a:ln w="19050">
+            <a:solidFill>
+              <a:srgbClr val="0070C0"/>
+            </a:solidFill>
+            <a:prstDash val="sysDash"/>
+            <a:headEnd type="arrow" w="med" len="med"/>
+            <a:tailEnd type="none" w="med" len="med"/>
+          </a:ln>
+        </p:spPr>
+        <p:style>
+          <a:lnRef idx="1">
+            <a:schemeClr val="accent1"/>
+          </a:lnRef>
+          <a:fillRef idx="0">
+            <a:schemeClr val="accent1"/>
+          </a:fillRef>
+          <a:effectRef idx="0">
+            <a:schemeClr val="accent1"/>
+          </a:effectRef>
+          <a:fontRef idx="minor">
+            <a:schemeClr val="tx1"/>
+          </a:fontRef>
+        </p:style>
+      </p:cxnSp>
+      <p:cxnSp>
+        <p:nvCxnSpPr>
+          <p:cNvPr id="85" name="Straight Arrow Connector 84">
+            <a:extLst>
+              <a:ext uri="{FF2B5EF4-FFF2-40B4-BE49-F238E27FC236}">
+                <a16:creationId xmlns="" xmlns:a16="http://schemas.microsoft.com/office/drawing/2014/main" id="{854D9FBB-2B36-4DC9-8B58-F7F177A8E586}"/>
+              </a:ext>
+            </a:extLst>
+          </p:cNvPr>
+          <p:cNvCxnSpPr>
+            <a:cxnSpLocks/>
+          </p:cNvCxnSpPr>
+          <p:nvPr/>
+        </p:nvCxnSpPr>
+        <p:spPr>
+          <a:xfrm>
+            <a:off x="7822342" y="4079053"/>
+            <a:ext cx="1491918" cy="10548"/>
+          </a:xfrm>
+          <a:prstGeom prst="straightConnector1">
+            <a:avLst/>
+          </a:prstGeom>
+          <a:ln w="19050">
+            <a:solidFill>
+              <a:srgbClr val="0070C0"/>
+            </a:solidFill>
+            <a:prstDash val="sysDash"/>
+            <a:headEnd type="arrow" w="med" len="med"/>
+            <a:tailEnd type="none" w="med" len="med"/>
+          </a:ln>
+        </p:spPr>
+        <p:style>
+          <a:lnRef idx="1">
+            <a:schemeClr val="accent1"/>
+          </a:lnRef>
+          <a:fillRef idx="0">
+            <a:schemeClr val="accent1"/>
+          </a:fillRef>
+          <a:effectRef idx="0">
+            <a:schemeClr val="accent1"/>
+          </a:effectRef>
+          <a:fontRef idx="minor">
+            <a:schemeClr val="tx1"/>
+          </a:fontRef>
+        </p:style>
+      </p:cxnSp>
+      <p:cxnSp>
+        <p:nvCxnSpPr>
+          <p:cNvPr id="86" name="Straight Arrow Connector 85">
+            <a:extLst>
+              <a:ext uri="{FF2B5EF4-FFF2-40B4-BE49-F238E27FC236}">
+                <a16:creationId xmlns="" xmlns:a16="http://schemas.microsoft.com/office/drawing/2014/main" id="{854D9FBB-2B36-4DC9-8B58-F7F177A8E586}"/>
+              </a:ext>
+            </a:extLst>
+          </p:cNvPr>
+          <p:cNvCxnSpPr>
+            <a:cxnSpLocks/>
+          </p:cNvCxnSpPr>
+          <p:nvPr/>
+        </p:nvCxnSpPr>
+        <p:spPr>
+          <a:xfrm>
+            <a:off x="6100189" y="4105917"/>
+            <a:ext cx="1560718" cy="9972"/>
+          </a:xfrm>
+          <a:prstGeom prst="straightConnector1">
+            <a:avLst/>
+          </a:prstGeom>
+          <a:ln w="19050">
+            <a:solidFill>
+              <a:srgbClr val="0070C0"/>
+            </a:solidFill>
+            <a:prstDash val="sysDash"/>
+            <a:headEnd type="arrow" w="med" len="med"/>
+            <a:tailEnd type="none" w="med" len="med"/>
+          </a:ln>
+        </p:spPr>
+        <p:style>
+          <a:lnRef idx="1">
+            <a:schemeClr val="accent1"/>
+          </a:lnRef>
+          <a:fillRef idx="0">
+            <a:schemeClr val="accent1"/>
+          </a:fillRef>
+          <a:effectRef idx="0">
+            <a:schemeClr val="accent1"/>
+          </a:effectRef>
+          <a:fontRef idx="minor">
+            <a:schemeClr val="tx1"/>
+          </a:fontRef>
+        </p:style>
+      </p:cxnSp>
     </p:spTree>
     <p:extLst>
       <p:ext uri="{BB962C8B-B14F-4D97-AF65-F5344CB8AC3E}">

--- a/docs/diagrams/SetTagCommandSequence.pptx
+++ b/docs/diagrams/SetTagCommandSequence.pptx
@@ -5729,8 +5729,8 @@
           </p:nvSpPr>
           <p:spPr>
             <a:xfrm>
-              <a:off x="8914717" y="3385421"/>
-              <a:ext cx="206032" cy="634455"/>
+              <a:off x="8914717" y="3385420"/>
+              <a:ext cx="164194" cy="875930"/>
             </a:xfrm>
             <a:prstGeom prst="rect">
               <a:avLst/>
